--- a/[JAVA]/C2/TA10/ta10.pptx
+++ b/[JAVA]/C2/TA10/ta10.pptx
@@ -5,15 +5,14 @@
     <p:sldMasterId id="2147483648" r:id="rId1"/>
   </p:sldMasterIdLst>
   <p:notesMasterIdLst>
-    <p:notesMasterId r:id="rId8"/>
+    <p:notesMasterId r:id="rId7"/>
   </p:notesMasterIdLst>
   <p:sldIdLst>
     <p:sldId id="256" r:id="rId2"/>
     <p:sldId id="260" r:id="rId3"/>
     <p:sldId id="261" r:id="rId4"/>
-    <p:sldId id="262" r:id="rId5"/>
-    <p:sldId id="263" r:id="rId6"/>
-    <p:sldId id="264" r:id="rId7"/>
+    <p:sldId id="263" r:id="rId5"/>
+    <p:sldId id="262" r:id="rId6"/>
   </p:sldIdLst>
   <p:sldSz cx="12192000" cy="6858000"/>
   <p:notesSz cx="6858000" cy="9144000"/>
@@ -3951,10 +3950,10 @@
       </p:grpSpPr>
       <p:pic>
         <p:nvPicPr>
-          <p:cNvPr id="3" name="Imagen 2">
-            <a:extLst>
-              <a:ext uri="{FF2B5EF4-FFF2-40B4-BE49-F238E27FC236}">
-                <a16:creationId xmlns:a16="http://schemas.microsoft.com/office/drawing/2014/main" id="{97B7EEEF-8EEE-9939-D9A2-5955BFE330FB}"/>
+          <p:cNvPr id="4" name="Imagen 3">
+            <a:extLst>
+              <a:ext uri="{FF2B5EF4-FFF2-40B4-BE49-F238E27FC236}">
+                <a16:creationId xmlns:a16="http://schemas.microsoft.com/office/drawing/2014/main" id="{89565E0D-B553-452B-D643-B1599B2B5DD8}"/>
               </a:ext>
             </a:extLst>
           </p:cNvPr>
@@ -3971,20 +3970,25 @@
         </p:blipFill>
         <p:spPr>
           <a:xfrm>
-            <a:off x="370748" y="1371422"/>
-            <a:ext cx="2781541" cy="1851820"/>
+            <a:off x="166005" y="101115"/>
+            <a:ext cx="6530906" cy="3627434"/>
           </a:xfrm>
           <a:prstGeom prst="rect">
             <a:avLst/>
           </a:prstGeom>
+          <a:ln>
+            <a:solidFill>
+              <a:schemeClr val="tx1"/>
+            </a:solidFill>
+          </a:ln>
         </p:spPr>
       </p:pic>
       <p:pic>
         <p:nvPicPr>
-          <p:cNvPr id="6" name="Imagen 5">
-            <a:extLst>
-              <a:ext uri="{FF2B5EF4-FFF2-40B4-BE49-F238E27FC236}">
-                <a16:creationId xmlns:a16="http://schemas.microsoft.com/office/drawing/2014/main" id="{21D2A764-B04A-C162-5F3E-B1ADA93F8BBF}"/>
+          <p:cNvPr id="7" name="Imagen 6">
+            <a:extLst>
+              <a:ext uri="{FF2B5EF4-FFF2-40B4-BE49-F238E27FC236}">
+                <a16:creationId xmlns:a16="http://schemas.microsoft.com/office/drawing/2014/main" id="{8CEC438C-BE20-B9BD-BCF5-16AB3256A43D}"/>
               </a:ext>
             </a:extLst>
           </p:cNvPr>
@@ -4001,8 +4005,8 @@
         </p:blipFill>
         <p:spPr>
           <a:xfrm>
-            <a:off x="3714650" y="1683869"/>
-            <a:ext cx="2568163" cy="1226926"/>
+            <a:off x="7126096" y="101115"/>
+            <a:ext cx="4625741" cy="922100"/>
           </a:xfrm>
           <a:prstGeom prst="rect">
             <a:avLst/>
@@ -4011,10 +4015,10 @@
       </p:pic>
       <p:pic>
         <p:nvPicPr>
-          <p:cNvPr id="9" name="Imagen 8">
-            <a:extLst>
-              <a:ext uri="{FF2B5EF4-FFF2-40B4-BE49-F238E27FC236}">
-                <a16:creationId xmlns:a16="http://schemas.microsoft.com/office/drawing/2014/main" id="{36CF4C11-3788-2795-0CF2-9610B0D79C5A}"/>
+          <p:cNvPr id="10" name="Imagen 9">
+            <a:extLst>
+              <a:ext uri="{FF2B5EF4-FFF2-40B4-BE49-F238E27FC236}">
+                <a16:creationId xmlns:a16="http://schemas.microsoft.com/office/drawing/2014/main" id="{86A85C37-51BE-F27D-E3E7-FFCE4CC588E8}"/>
               </a:ext>
             </a:extLst>
           </p:cNvPr>
@@ -4031,8 +4035,8 @@
         </p:blipFill>
         <p:spPr>
           <a:xfrm>
-            <a:off x="370748" y="270100"/>
-            <a:ext cx="7033870" cy="929721"/>
+            <a:off x="7476645" y="1275735"/>
+            <a:ext cx="3924640" cy="1044030"/>
           </a:xfrm>
           <a:prstGeom prst="rect">
             <a:avLst/>
@@ -4041,10 +4045,10 @@
       </p:pic>
       <p:pic>
         <p:nvPicPr>
-          <p:cNvPr id="13" name="Imagen 12">
-            <a:extLst>
-              <a:ext uri="{FF2B5EF4-FFF2-40B4-BE49-F238E27FC236}">
-                <a16:creationId xmlns:a16="http://schemas.microsoft.com/office/drawing/2014/main" id="{2D59CDA1-0ED3-0B91-C6EA-095BAE5A8F84}"/>
+          <p:cNvPr id="12" name="Imagen 11">
+            <a:extLst>
+              <a:ext uri="{FF2B5EF4-FFF2-40B4-BE49-F238E27FC236}">
+                <a16:creationId xmlns:a16="http://schemas.microsoft.com/office/drawing/2014/main" id="{25D05FD7-BAEE-56E9-2A87-EC3288C9B6BD}"/>
               </a:ext>
             </a:extLst>
           </p:cNvPr>
@@ -4061,20 +4065,443 @@
         </p:blipFill>
         <p:spPr>
           <a:xfrm>
-            <a:off x="488604" y="3634759"/>
-            <a:ext cx="7026249" cy="2530059"/>
+            <a:off x="7381387" y="2581106"/>
+            <a:ext cx="4115157" cy="556308"/>
           </a:xfrm>
           <a:prstGeom prst="rect">
             <a:avLst/>
           </a:prstGeom>
         </p:spPr>
       </p:pic>
-      <p:sp>
-        <p:nvSpPr>
-          <p:cNvPr id="14" name="CuadroTexto 13">
-            <a:extLst>
-              <a:ext uri="{FF2B5EF4-FFF2-40B4-BE49-F238E27FC236}">
-                <a16:creationId xmlns:a16="http://schemas.microsoft.com/office/drawing/2014/main" id="{FFB63D35-F81F-E569-160A-63DC4C4CCF95}"/>
+      <p:pic>
+        <p:nvPicPr>
+          <p:cNvPr id="16" name="Imagen 15">
+            <a:extLst>
+              <a:ext uri="{FF2B5EF4-FFF2-40B4-BE49-F238E27FC236}">
+                <a16:creationId xmlns:a16="http://schemas.microsoft.com/office/drawing/2014/main" id="{7D5ABC35-9E0E-BE0C-6B80-C126A3BA4841}"/>
+              </a:ext>
+            </a:extLst>
+          </p:cNvPr>
+          <p:cNvPicPr>
+            <a:picLocks noChangeAspect="1"/>
+          </p:cNvPicPr>
+          <p:nvPr/>
+        </p:nvPicPr>
+        <p:blipFill>
+          <a:blip r:embed="rId6"/>
+          <a:stretch>
+            <a:fillRect/>
+          </a:stretch>
+        </p:blipFill>
+        <p:spPr>
+          <a:xfrm>
+            <a:off x="498195" y="4203245"/>
+            <a:ext cx="4077053" cy="1066892"/>
+          </a:xfrm>
+          <a:prstGeom prst="rect">
+            <a:avLst/>
+          </a:prstGeom>
+        </p:spPr>
+      </p:pic>
+      <p:sp>
+        <p:nvSpPr>
+          <p:cNvPr id="17" name="Rectángulo 16">
+            <a:extLst>
+              <a:ext uri="{FF2B5EF4-FFF2-40B4-BE49-F238E27FC236}">
+                <a16:creationId xmlns:a16="http://schemas.microsoft.com/office/drawing/2014/main" id="{3E014B2D-510D-1140-4F42-0CFB1702BDE4}"/>
+              </a:ext>
+            </a:extLst>
+          </p:cNvPr>
+          <p:cNvSpPr/>
+          <p:nvPr/>
+        </p:nvSpPr>
+        <p:spPr>
+          <a:xfrm>
+            <a:off x="318404" y="1288026"/>
+            <a:ext cx="6249544" cy="382563"/>
+          </a:xfrm>
+          <a:prstGeom prst="rect">
+            <a:avLst/>
+          </a:prstGeom>
+          <a:noFill/>
+          <a:ln w="28575">
+            <a:solidFill>
+              <a:schemeClr val="tx2">
+                <a:lumMod val="75000"/>
+                <a:lumOff val="25000"/>
+              </a:schemeClr>
+            </a:solidFill>
+          </a:ln>
+        </p:spPr>
+        <p:style>
+          <a:lnRef idx="2">
+            <a:schemeClr val="accent1">
+              <a:shade val="15000"/>
+            </a:schemeClr>
+          </a:lnRef>
+          <a:fillRef idx="1">
+            <a:schemeClr val="accent1"/>
+          </a:fillRef>
+          <a:effectRef idx="0">
+            <a:schemeClr val="accent1"/>
+          </a:effectRef>
+          <a:fontRef idx="minor">
+            <a:schemeClr val="lt1"/>
+          </a:fontRef>
+        </p:style>
+        <p:txBody>
+          <a:bodyPr rtlCol="0" anchor="ctr"/>
+          <a:lstStyle/>
+          <a:p>
+            <a:pPr algn="ctr"/>
+            <a:endParaRPr lang="es-ES"/>
+          </a:p>
+        </p:txBody>
+      </p:sp>
+      <p:sp>
+        <p:nvSpPr>
+          <p:cNvPr id="18" name="Rectángulo 17">
+            <a:extLst>
+              <a:ext uri="{FF2B5EF4-FFF2-40B4-BE49-F238E27FC236}">
+                <a16:creationId xmlns:a16="http://schemas.microsoft.com/office/drawing/2014/main" id="{550CD0E6-4D90-C54C-8E5A-528F541C806A}"/>
+              </a:ext>
+            </a:extLst>
+          </p:cNvPr>
+          <p:cNvSpPr/>
+          <p:nvPr/>
+        </p:nvSpPr>
+        <p:spPr>
+          <a:xfrm>
+            <a:off x="318404" y="1744164"/>
+            <a:ext cx="6249544" cy="623483"/>
+          </a:xfrm>
+          <a:prstGeom prst="rect">
+            <a:avLst/>
+          </a:prstGeom>
+          <a:noFill/>
+          <a:ln w="28575">
+            <a:solidFill>
+              <a:schemeClr val="tx2">
+                <a:lumMod val="75000"/>
+                <a:lumOff val="25000"/>
+              </a:schemeClr>
+            </a:solidFill>
+          </a:ln>
+        </p:spPr>
+        <p:style>
+          <a:lnRef idx="2">
+            <a:schemeClr val="accent1">
+              <a:shade val="15000"/>
+            </a:schemeClr>
+          </a:lnRef>
+          <a:fillRef idx="1">
+            <a:schemeClr val="accent1"/>
+          </a:fillRef>
+          <a:effectRef idx="0">
+            <a:schemeClr val="accent1"/>
+          </a:effectRef>
+          <a:fontRef idx="minor">
+            <a:schemeClr val="lt1"/>
+          </a:fontRef>
+        </p:style>
+        <p:txBody>
+          <a:bodyPr rtlCol="0" anchor="ctr"/>
+          <a:lstStyle/>
+          <a:p>
+            <a:pPr algn="ctr"/>
+            <a:endParaRPr lang="es-ES"/>
+          </a:p>
+        </p:txBody>
+      </p:sp>
+      <p:sp>
+        <p:nvSpPr>
+          <p:cNvPr id="19" name="Rectángulo 18">
+            <a:extLst>
+              <a:ext uri="{FF2B5EF4-FFF2-40B4-BE49-F238E27FC236}">
+                <a16:creationId xmlns:a16="http://schemas.microsoft.com/office/drawing/2014/main" id="{CBAA6D13-DD69-BF41-1279-6BC012C93A2C}"/>
+              </a:ext>
+            </a:extLst>
+          </p:cNvPr>
+          <p:cNvSpPr/>
+          <p:nvPr/>
+        </p:nvSpPr>
+        <p:spPr>
+          <a:xfrm>
+            <a:off x="318405" y="2462691"/>
+            <a:ext cx="6249543" cy="411848"/>
+          </a:xfrm>
+          <a:prstGeom prst="rect">
+            <a:avLst/>
+          </a:prstGeom>
+          <a:noFill/>
+          <a:ln w="28575">
+            <a:solidFill>
+              <a:schemeClr val="tx2">
+                <a:lumMod val="75000"/>
+                <a:lumOff val="25000"/>
+              </a:schemeClr>
+            </a:solidFill>
+          </a:ln>
+        </p:spPr>
+        <p:style>
+          <a:lnRef idx="2">
+            <a:schemeClr val="accent1">
+              <a:shade val="15000"/>
+            </a:schemeClr>
+          </a:lnRef>
+          <a:fillRef idx="1">
+            <a:schemeClr val="accent1"/>
+          </a:fillRef>
+          <a:effectRef idx="0">
+            <a:schemeClr val="accent1"/>
+          </a:effectRef>
+          <a:fontRef idx="minor">
+            <a:schemeClr val="lt1"/>
+          </a:fontRef>
+        </p:style>
+        <p:txBody>
+          <a:bodyPr rtlCol="0" anchor="ctr"/>
+          <a:lstStyle/>
+          <a:p>
+            <a:pPr algn="ctr"/>
+            <a:endParaRPr lang="es-ES"/>
+          </a:p>
+        </p:txBody>
+      </p:sp>
+      <p:sp>
+        <p:nvSpPr>
+          <p:cNvPr id="20" name="Rectángulo 19">
+            <a:extLst>
+              <a:ext uri="{FF2B5EF4-FFF2-40B4-BE49-F238E27FC236}">
+                <a16:creationId xmlns:a16="http://schemas.microsoft.com/office/drawing/2014/main" id="{900F6084-AE6D-8FAB-85B6-9412EF2AFE6C}"/>
+              </a:ext>
+            </a:extLst>
+          </p:cNvPr>
+          <p:cNvSpPr/>
+          <p:nvPr/>
+        </p:nvSpPr>
+        <p:spPr>
+          <a:xfrm>
+            <a:off x="318405" y="2937387"/>
+            <a:ext cx="6249543" cy="791162"/>
+          </a:xfrm>
+          <a:prstGeom prst="rect">
+            <a:avLst/>
+          </a:prstGeom>
+          <a:noFill/>
+          <a:ln w="28575">
+            <a:solidFill>
+              <a:schemeClr val="tx2">
+                <a:lumMod val="75000"/>
+                <a:lumOff val="25000"/>
+              </a:schemeClr>
+            </a:solidFill>
+          </a:ln>
+        </p:spPr>
+        <p:style>
+          <a:lnRef idx="2">
+            <a:schemeClr val="accent1">
+              <a:shade val="15000"/>
+            </a:schemeClr>
+          </a:lnRef>
+          <a:fillRef idx="1">
+            <a:schemeClr val="accent1"/>
+          </a:fillRef>
+          <a:effectRef idx="0">
+            <a:schemeClr val="accent1"/>
+          </a:effectRef>
+          <a:fontRef idx="minor">
+            <a:schemeClr val="lt1"/>
+          </a:fontRef>
+        </p:style>
+        <p:txBody>
+          <a:bodyPr rtlCol="0" anchor="ctr"/>
+          <a:lstStyle/>
+          <a:p>
+            <a:pPr algn="ctr"/>
+            <a:endParaRPr lang="es-ES"/>
+          </a:p>
+        </p:txBody>
+      </p:sp>
+      <p:cxnSp>
+        <p:nvCxnSpPr>
+          <p:cNvPr id="22" name="Conector: angular 21">
+            <a:extLst>
+              <a:ext uri="{FF2B5EF4-FFF2-40B4-BE49-F238E27FC236}">
+                <a16:creationId xmlns:a16="http://schemas.microsoft.com/office/drawing/2014/main" id="{99550DC1-02E6-7B12-B2E3-4CAFDE410D3B}"/>
+              </a:ext>
+            </a:extLst>
+          </p:cNvPr>
+          <p:cNvCxnSpPr>
+            <a:cxnSpLocks/>
+            <a:stCxn id="17" idx="3"/>
+            <a:endCxn id="7" idx="1"/>
+          </p:cNvCxnSpPr>
+          <p:nvPr/>
+        </p:nvCxnSpPr>
+        <p:spPr>
+          <a:xfrm flipV="1">
+            <a:off x="6567948" y="562165"/>
+            <a:ext cx="558148" cy="917143"/>
+          </a:xfrm>
+          <a:prstGeom prst="bentConnector3">
+            <a:avLst/>
+          </a:prstGeom>
+          <a:ln>
+            <a:tailEnd type="triangle"/>
+          </a:ln>
+        </p:spPr>
+        <p:style>
+          <a:lnRef idx="2">
+            <a:schemeClr val="accent1"/>
+          </a:lnRef>
+          <a:fillRef idx="0">
+            <a:schemeClr val="accent1"/>
+          </a:fillRef>
+          <a:effectRef idx="1">
+            <a:schemeClr val="accent1"/>
+          </a:effectRef>
+          <a:fontRef idx="minor">
+            <a:schemeClr val="tx1"/>
+          </a:fontRef>
+        </p:style>
+      </p:cxnSp>
+      <p:cxnSp>
+        <p:nvCxnSpPr>
+          <p:cNvPr id="24" name="Conector: angular 23">
+            <a:extLst>
+              <a:ext uri="{FF2B5EF4-FFF2-40B4-BE49-F238E27FC236}">
+                <a16:creationId xmlns:a16="http://schemas.microsoft.com/office/drawing/2014/main" id="{84A87B3F-33C7-C204-73B1-F5DDBFC8C8A9}"/>
+              </a:ext>
+            </a:extLst>
+          </p:cNvPr>
+          <p:cNvCxnSpPr>
+            <a:cxnSpLocks/>
+            <a:stCxn id="18" idx="3"/>
+            <a:endCxn id="10" idx="1"/>
+          </p:cNvCxnSpPr>
+          <p:nvPr/>
+        </p:nvCxnSpPr>
+        <p:spPr>
+          <a:xfrm flipV="1">
+            <a:off x="6567948" y="1797750"/>
+            <a:ext cx="908697" cy="258156"/>
+          </a:xfrm>
+          <a:prstGeom prst="bentConnector3">
+            <a:avLst/>
+          </a:prstGeom>
+          <a:ln>
+            <a:tailEnd type="triangle"/>
+          </a:ln>
+        </p:spPr>
+        <p:style>
+          <a:lnRef idx="2">
+            <a:schemeClr val="accent1"/>
+          </a:lnRef>
+          <a:fillRef idx="0">
+            <a:schemeClr val="accent1"/>
+          </a:fillRef>
+          <a:effectRef idx="1">
+            <a:schemeClr val="accent1"/>
+          </a:effectRef>
+          <a:fontRef idx="minor">
+            <a:schemeClr val="tx1"/>
+          </a:fontRef>
+        </p:style>
+      </p:cxnSp>
+      <p:cxnSp>
+        <p:nvCxnSpPr>
+          <p:cNvPr id="26" name="Conector: angular 25">
+            <a:extLst>
+              <a:ext uri="{FF2B5EF4-FFF2-40B4-BE49-F238E27FC236}">
+                <a16:creationId xmlns:a16="http://schemas.microsoft.com/office/drawing/2014/main" id="{30F77388-9710-25B0-2086-431AB1B3AA25}"/>
+              </a:ext>
+            </a:extLst>
+          </p:cNvPr>
+          <p:cNvCxnSpPr>
+            <a:cxnSpLocks/>
+            <a:stCxn id="19" idx="3"/>
+            <a:endCxn id="12" idx="1"/>
+          </p:cNvCxnSpPr>
+          <p:nvPr/>
+        </p:nvCxnSpPr>
+        <p:spPr>
+          <a:xfrm>
+            <a:off x="6567948" y="2668615"/>
+            <a:ext cx="813439" cy="190645"/>
+          </a:xfrm>
+          <a:prstGeom prst="bentConnector3">
+            <a:avLst/>
+          </a:prstGeom>
+          <a:ln>
+            <a:tailEnd type="triangle"/>
+          </a:ln>
+        </p:spPr>
+        <p:style>
+          <a:lnRef idx="2">
+            <a:schemeClr val="accent1"/>
+          </a:lnRef>
+          <a:fillRef idx="0">
+            <a:schemeClr val="accent1"/>
+          </a:fillRef>
+          <a:effectRef idx="1">
+            <a:schemeClr val="accent1"/>
+          </a:effectRef>
+          <a:fontRef idx="minor">
+            <a:schemeClr val="tx1"/>
+          </a:fontRef>
+        </p:style>
+      </p:cxnSp>
+      <p:cxnSp>
+        <p:nvCxnSpPr>
+          <p:cNvPr id="28" name="Conector: angular 27">
+            <a:extLst>
+              <a:ext uri="{FF2B5EF4-FFF2-40B4-BE49-F238E27FC236}">
+                <a16:creationId xmlns:a16="http://schemas.microsoft.com/office/drawing/2014/main" id="{75EBB3C6-19ED-E2B3-13A0-93400086C206}"/>
+              </a:ext>
+            </a:extLst>
+          </p:cNvPr>
+          <p:cNvCxnSpPr>
+            <a:stCxn id="20" idx="1"/>
+            <a:endCxn id="16" idx="1"/>
+          </p:cNvCxnSpPr>
+          <p:nvPr/>
+        </p:nvCxnSpPr>
+        <p:spPr>
+          <a:xfrm rot="10800000" flipH="1" flipV="1">
+            <a:off x="318405" y="3332967"/>
+            <a:ext cx="179790" cy="1403723"/>
+          </a:xfrm>
+          <a:prstGeom prst="bentConnector3">
+            <a:avLst>
+              <a:gd name="adj1" fmla="val -127148"/>
+            </a:avLst>
+          </a:prstGeom>
+          <a:ln>
+            <a:tailEnd type="triangle"/>
+          </a:ln>
+        </p:spPr>
+        <p:style>
+          <a:lnRef idx="2">
+            <a:schemeClr val="accent1"/>
+          </a:lnRef>
+          <a:fillRef idx="0">
+            <a:schemeClr val="accent1"/>
+          </a:fillRef>
+          <a:effectRef idx="1">
+            <a:schemeClr val="accent1"/>
+          </a:effectRef>
+          <a:fontRef idx="minor">
+            <a:schemeClr val="tx1"/>
+          </a:fontRef>
+        </p:style>
+      </p:cxnSp>
+      <p:sp>
+        <p:nvSpPr>
+          <p:cNvPr id="36" name="CuadroTexto 35">
+            <a:extLst>
+              <a:ext uri="{FF2B5EF4-FFF2-40B4-BE49-F238E27FC236}">
+                <a16:creationId xmlns:a16="http://schemas.microsoft.com/office/drawing/2014/main" id="{98E599E8-D6C4-5B96-7500-1CD85CE4C8E7}"/>
               </a:ext>
             </a:extLst>
           </p:cNvPr>
@@ -4083,8 +4510,8 @@
         </p:nvSpPr>
         <p:spPr>
           <a:xfrm>
-            <a:off x="7895303" y="3775586"/>
-            <a:ext cx="4296697" cy="2031325"/>
+            <a:off x="5666822" y="4203245"/>
+            <a:ext cx="6249543" cy="2031325"/>
           </a:xfrm>
           <a:prstGeom prst="rect">
             <a:avLst/>
@@ -4099,49 +4526,16 @@
           <a:p>
             <a:r>
               <a:rPr lang="es-ES" dirty="0"/>
-              <a:t>Tras crear el panel, añadimos una etiqueta, un </a:t>
-            </a:r>
-            <a:r>
-              <a:rPr lang="es-ES" dirty="0" err="1"/>
-              <a:t>TextField</a:t>
-            </a:r>
+              <a:t>Realmente no sé qué explicar sobre este código; es muy directo y fácil de entender.</a:t>
+            </a:r>
+          </a:p>
+          <a:p>
+            <a:endParaRPr lang="es-ES" dirty="0"/>
+          </a:p>
+          <a:p>
             <a:r>
               <a:rPr lang="es-ES" dirty="0"/>
-              <a:t> y el botón.</a:t>
-            </a:r>
-          </a:p>
-          <a:p>
-            <a:r>
-              <a:rPr lang="es-ES" dirty="0"/>
-              <a:t>El texto que pongamos en el campo será utilizado por el </a:t>
-            </a:r>
-            <a:r>
-              <a:rPr lang="es-ES" dirty="0" err="1"/>
-              <a:t>ActionEvent</a:t>
-            </a:r>
-            <a:r>
-              <a:rPr lang="es-ES" dirty="0"/>
-              <a:t> vinculado al botón. </a:t>
-            </a:r>
-          </a:p>
-          <a:p>
-            <a:r>
-              <a:rPr lang="es-ES" dirty="0"/>
-              <a:t>El mensaje que expresa es:</a:t>
-            </a:r>
-          </a:p>
-          <a:p>
-            <a:r>
-              <a:rPr lang="es-ES" i="1" dirty="0"/>
-              <a:t>¡Hola, “</a:t>
-            </a:r>
-            <a:r>
-              <a:rPr lang="es-ES" i="1" dirty="0" err="1"/>
-              <a:t>TextField</a:t>
-            </a:r>
-            <a:r>
-              <a:rPr lang="es-ES" i="1" dirty="0"/>
-              <a:t>”!</a:t>
+              <a:t>El bucle try-catch nos asegura que el input de consola sea un entero (punto 4). Esto nos evita tener que volver a ejecutar el programa y poder seguir como si aún no hubiésemos hecho un input.</a:t>
             </a:r>
           </a:p>
         </p:txBody>
@@ -4176,69 +4570,12 @@
           <a:chExt cx="0" cy="0"/>
         </a:xfrm>
       </p:grpSpPr>
-      <p:sp>
-        <p:nvSpPr>
-          <p:cNvPr id="14" name="CuadroTexto 13">
-            <a:extLst>
-              <a:ext uri="{FF2B5EF4-FFF2-40B4-BE49-F238E27FC236}">
-                <a16:creationId xmlns:a16="http://schemas.microsoft.com/office/drawing/2014/main" id="{FFB63D35-F81F-E569-160A-63DC4C4CCF95}"/>
-              </a:ext>
-            </a:extLst>
-          </p:cNvPr>
-          <p:cNvSpPr txBox="1"/>
-          <p:nvPr/>
-        </p:nvSpPr>
-        <p:spPr>
-          <a:xfrm>
-            <a:off x="7895303" y="3775586"/>
-            <a:ext cx="4296697" cy="1754326"/>
-          </a:xfrm>
-          <a:prstGeom prst="rect">
-            <a:avLst/>
-          </a:prstGeom>
-          <a:noFill/>
-        </p:spPr>
-        <p:txBody>
-          <a:bodyPr wrap="square" rtlCol="0">
-            <a:spAutoFit/>
-          </a:bodyPr>
-          <a:lstStyle/>
-          <a:p>
-            <a:r>
-              <a:rPr lang="es-ES" dirty="0"/>
-              <a:t>El botón nos añade el texto del </a:t>
-            </a:r>
-            <a:r>
-              <a:rPr lang="es-ES" dirty="0" err="1"/>
-              <a:t>TextField</a:t>
-            </a:r>
-            <a:r>
-              <a:rPr lang="es-ES" dirty="0"/>
-              <a:t> al listado del </a:t>
-            </a:r>
-            <a:r>
-              <a:rPr lang="es-ES" dirty="0" err="1"/>
-              <a:t>comboBox</a:t>
-            </a:r>
-            <a:r>
-              <a:rPr lang="es-ES" dirty="0"/>
-              <a:t>.</a:t>
-            </a:r>
-          </a:p>
-          <a:p>
-            <a:r>
-              <a:rPr lang="es-ES" dirty="0"/>
-              <a:t>Podemos introducir tantas películas como queramos, siempre y cuando nos acordemos de pulsar el botón tras escribir el título.</a:t>
-            </a:r>
-          </a:p>
-        </p:txBody>
-      </p:sp>
       <p:pic>
         <p:nvPicPr>
-          <p:cNvPr id="4" name="Imagen 3">
-            <a:extLst>
-              <a:ext uri="{FF2B5EF4-FFF2-40B4-BE49-F238E27FC236}">
-                <a16:creationId xmlns:a16="http://schemas.microsoft.com/office/drawing/2014/main" id="{69C64242-27DD-B518-FCF2-913181D11BF7}"/>
+          <p:cNvPr id="3" name="Imagen 2">
+            <a:extLst>
+              <a:ext uri="{FF2B5EF4-FFF2-40B4-BE49-F238E27FC236}">
+                <a16:creationId xmlns:a16="http://schemas.microsoft.com/office/drawing/2014/main" id="{7E6253EF-7449-FDDD-B058-1EE5EB7C3406}"/>
               </a:ext>
             </a:extLst>
           </p:cNvPr>
@@ -4255,20 +4592,77 @@
         </p:blipFill>
         <p:spPr>
           <a:xfrm>
-            <a:off x="488604" y="339540"/>
-            <a:ext cx="6744284" cy="967824"/>
+            <a:off x="307274" y="80803"/>
+            <a:ext cx="6271803" cy="3756986"/>
           </a:xfrm>
           <a:prstGeom prst="rect">
             <a:avLst/>
           </a:prstGeom>
+          <a:ln>
+            <a:solidFill>
+              <a:schemeClr val="tx1"/>
+            </a:solidFill>
+          </a:ln>
         </p:spPr>
       </p:pic>
+      <p:sp>
+        <p:nvSpPr>
+          <p:cNvPr id="36" name="CuadroTexto 35">
+            <a:extLst>
+              <a:ext uri="{FF2B5EF4-FFF2-40B4-BE49-F238E27FC236}">
+                <a16:creationId xmlns:a16="http://schemas.microsoft.com/office/drawing/2014/main" id="{98E599E8-D6C4-5B96-7500-1CD85CE4C8E7}"/>
+              </a:ext>
+            </a:extLst>
+          </p:cNvPr>
+          <p:cNvSpPr txBox="1"/>
+          <p:nvPr/>
+        </p:nvSpPr>
+        <p:spPr>
+          <a:xfrm>
+            <a:off x="6856855" y="1486103"/>
+            <a:ext cx="4863197" cy="1754326"/>
+          </a:xfrm>
+          <a:prstGeom prst="rect">
+            <a:avLst/>
+          </a:prstGeom>
+          <a:noFill/>
+        </p:spPr>
+        <p:txBody>
+          <a:bodyPr wrap="square" rtlCol="0">
+            <a:spAutoFit/>
+          </a:bodyPr>
+          <a:lstStyle/>
+          <a:p>
+            <a:r>
+              <a:rPr lang="es-ES" dirty="0"/>
+              <a:t>Me costó bastante entender este ejercicio, pero al final entendí la lógica de la clase </a:t>
+            </a:r>
+            <a:r>
+              <a:rPr lang="es-ES" dirty="0" err="1"/>
+              <a:t>Throwable</a:t>
+            </a:r>
+            <a:r>
+              <a:rPr lang="es-ES" dirty="0"/>
+              <a:t> de Java.</a:t>
+            </a:r>
+          </a:p>
+          <a:p>
+            <a:endParaRPr lang="es-ES" dirty="0"/>
+          </a:p>
+          <a:p>
+            <a:r>
+              <a:rPr lang="es-ES" dirty="0"/>
+              <a:t>Dejo copiado aquí el resumen que puse en el código tras entenderlo.</a:t>
+            </a:r>
+          </a:p>
+        </p:txBody>
+      </p:sp>
       <p:pic>
         <p:nvPicPr>
-          <p:cNvPr id="7" name="Imagen 6">
-            <a:extLst>
-              <a:ext uri="{FF2B5EF4-FFF2-40B4-BE49-F238E27FC236}">
-                <a16:creationId xmlns:a16="http://schemas.microsoft.com/office/drawing/2014/main" id="{D3DCC9CE-839A-AB21-A5A6-F42D616284A2}"/>
+          <p:cNvPr id="6" name="Imagen 5">
+            <a:extLst>
+              <a:ext uri="{FF2B5EF4-FFF2-40B4-BE49-F238E27FC236}">
+                <a16:creationId xmlns:a16="http://schemas.microsoft.com/office/drawing/2014/main" id="{FBA2C7D1-7EC0-3FC6-6794-A39B2ADFF1D5}"/>
               </a:ext>
             </a:extLst>
           </p:cNvPr>
@@ -4285,8 +4679,8 @@
         </p:blipFill>
         <p:spPr>
           <a:xfrm>
-            <a:off x="850825" y="1437816"/>
-            <a:ext cx="3627434" cy="1752752"/>
+            <a:off x="431796" y="3911562"/>
+            <a:ext cx="10463167" cy="1691787"/>
           </a:xfrm>
           <a:prstGeom prst="rect">
             <a:avLst/>
@@ -4295,10 +4689,10 @@
       </p:pic>
       <p:pic>
         <p:nvPicPr>
-          <p:cNvPr id="10" name="Imagen 9">
-            <a:extLst>
-              <a:ext uri="{FF2B5EF4-FFF2-40B4-BE49-F238E27FC236}">
-                <a16:creationId xmlns:a16="http://schemas.microsoft.com/office/drawing/2014/main" id="{DA355DF4-6281-AAA9-4542-F53C08BFEFC7}"/>
+          <p:cNvPr id="9" name="Imagen 8">
+            <a:extLst>
+              <a:ext uri="{FF2B5EF4-FFF2-40B4-BE49-F238E27FC236}">
+                <a16:creationId xmlns:a16="http://schemas.microsoft.com/office/drawing/2014/main" id="{78086765-FD4E-E4A8-0AC0-31760932FD93}"/>
               </a:ext>
             </a:extLst>
           </p:cNvPr>
@@ -4315,38 +4709,8 @@
         </p:blipFill>
         <p:spPr>
           <a:xfrm>
-            <a:off x="4772630" y="1232953"/>
-            <a:ext cx="4534533" cy="2162477"/>
-          </a:xfrm>
-          <a:prstGeom prst="rect">
-            <a:avLst/>
-          </a:prstGeom>
-        </p:spPr>
-      </p:pic>
-      <p:pic>
-        <p:nvPicPr>
-          <p:cNvPr id="12" name="Imagen 11">
-            <a:extLst>
-              <a:ext uri="{FF2B5EF4-FFF2-40B4-BE49-F238E27FC236}">
-                <a16:creationId xmlns:a16="http://schemas.microsoft.com/office/drawing/2014/main" id="{FC06593E-1AD4-AAF5-3EF9-7659ACEB728A}"/>
-              </a:ext>
-            </a:extLst>
-          </p:cNvPr>
-          <p:cNvPicPr>
-            <a:picLocks noChangeAspect="1"/>
-          </p:cNvPicPr>
-          <p:nvPr/>
-        </p:nvPicPr>
-        <p:blipFill>
-          <a:blip r:embed="rId5"/>
-          <a:stretch>
-            <a:fillRect/>
-          </a:stretch>
-        </p:blipFill>
-        <p:spPr>
-          <a:xfrm>
-            <a:off x="488604" y="3775586"/>
-            <a:ext cx="6782388" cy="2293819"/>
+            <a:off x="2629228" y="5677122"/>
+            <a:ext cx="5692633" cy="929721"/>
           </a:xfrm>
           <a:prstGeom prst="rect">
             <a:avLst/>
@@ -4356,7 +4720,7 @@
     </p:spTree>
     <p:extLst>
       <p:ext uri="{BB962C8B-B14F-4D97-AF65-F5344CB8AC3E}">
-        <p14:creationId xmlns:p14="http://schemas.microsoft.com/office/powerpoint/2010/main" val="2673973913"/>
+        <p14:creationId xmlns:p14="http://schemas.microsoft.com/office/powerpoint/2010/main" val="3239136253"/>
       </p:ext>
     </p:extLst>
   </p:cSld>
@@ -4383,392 +4747,10 @@
           <a:chExt cx="0" cy="0"/>
         </a:xfrm>
       </p:grpSpPr>
-      <p:pic>
-        <p:nvPicPr>
-          <p:cNvPr id="3" name="Imagen 2">
-            <a:extLst>
-              <a:ext uri="{FF2B5EF4-FFF2-40B4-BE49-F238E27FC236}">
-                <a16:creationId xmlns:a16="http://schemas.microsoft.com/office/drawing/2014/main" id="{6806ABAB-903C-6ED7-0A56-18941796A40B}"/>
-              </a:ext>
-            </a:extLst>
-          </p:cNvPr>
-          <p:cNvPicPr>
-            <a:picLocks noChangeAspect="1"/>
-          </p:cNvPicPr>
-          <p:nvPr/>
-        </p:nvPicPr>
-        <p:blipFill>
-          <a:blip r:embed="rId2"/>
-          <a:stretch>
-            <a:fillRect/>
-          </a:stretch>
-        </p:blipFill>
-        <p:spPr>
-          <a:xfrm>
-            <a:off x="319617" y="264559"/>
-            <a:ext cx="6911939" cy="4008467"/>
-          </a:xfrm>
-          <a:prstGeom prst="rect">
-            <a:avLst/>
-          </a:prstGeom>
-        </p:spPr>
-      </p:pic>
-      <p:pic>
-        <p:nvPicPr>
-          <p:cNvPr id="6" name="Imagen 5">
-            <a:extLst>
-              <a:ext uri="{FF2B5EF4-FFF2-40B4-BE49-F238E27FC236}">
-                <a16:creationId xmlns:a16="http://schemas.microsoft.com/office/drawing/2014/main" id="{86C53E41-1B86-A4EA-AF12-6DB733C3AF6E}"/>
-              </a:ext>
-            </a:extLst>
-          </p:cNvPr>
-          <p:cNvPicPr>
-            <a:picLocks noChangeAspect="1"/>
-          </p:cNvPicPr>
-          <p:nvPr/>
-        </p:nvPicPr>
-        <p:blipFill>
-          <a:blip r:embed="rId3"/>
-          <a:stretch>
-            <a:fillRect/>
-          </a:stretch>
-        </p:blipFill>
-        <p:spPr>
-          <a:xfrm>
-            <a:off x="8155953" y="264559"/>
-            <a:ext cx="3795089" cy="4549534"/>
-          </a:xfrm>
-          <a:prstGeom prst="rect">
-            <a:avLst/>
-          </a:prstGeom>
-        </p:spPr>
-      </p:pic>
-      <p:pic>
-        <p:nvPicPr>
-          <p:cNvPr id="9" name="Imagen 8">
-            <a:extLst>
-              <a:ext uri="{FF2B5EF4-FFF2-40B4-BE49-F238E27FC236}">
-                <a16:creationId xmlns:a16="http://schemas.microsoft.com/office/drawing/2014/main" id="{1AA7C2F9-EE5B-67C0-1632-766E942891C7}"/>
-              </a:ext>
-            </a:extLst>
-          </p:cNvPr>
-          <p:cNvPicPr>
-            <a:picLocks noChangeAspect="1"/>
-          </p:cNvPicPr>
-          <p:nvPr/>
-        </p:nvPicPr>
-        <p:blipFill>
-          <a:blip r:embed="rId4"/>
-          <a:stretch>
-            <a:fillRect/>
-          </a:stretch>
-        </p:blipFill>
-        <p:spPr>
-          <a:xfrm>
-            <a:off x="8426486" y="5079781"/>
-            <a:ext cx="3254022" cy="1280271"/>
-          </a:xfrm>
-          <a:prstGeom prst="rect">
-            <a:avLst/>
-          </a:prstGeom>
-        </p:spPr>
-      </p:pic>
-      <p:cxnSp>
-        <p:nvCxnSpPr>
-          <p:cNvPr id="13" name="Conector recto de flecha 12">
-            <a:extLst>
-              <a:ext uri="{FF2B5EF4-FFF2-40B4-BE49-F238E27FC236}">
-                <a16:creationId xmlns:a16="http://schemas.microsoft.com/office/drawing/2014/main" id="{7A577EC7-173D-AAB6-2C7A-CC6DB54A5915}"/>
-              </a:ext>
-            </a:extLst>
-          </p:cNvPr>
-          <p:cNvCxnSpPr>
-            <a:stCxn id="6" idx="2"/>
-            <a:endCxn id="9" idx="0"/>
-          </p:cNvCxnSpPr>
-          <p:nvPr/>
-        </p:nvCxnSpPr>
-        <p:spPr>
-          <a:xfrm flipH="1">
-            <a:off x="10053497" y="4814093"/>
-            <a:ext cx="1" cy="265688"/>
-          </a:xfrm>
-          <a:prstGeom prst="straightConnector1">
-            <a:avLst/>
-          </a:prstGeom>
-          <a:ln>
-            <a:tailEnd type="triangle"/>
-          </a:ln>
-        </p:spPr>
-        <p:style>
-          <a:lnRef idx="2">
-            <a:schemeClr val="accent1"/>
-          </a:lnRef>
-          <a:fillRef idx="0">
-            <a:schemeClr val="accent1"/>
-          </a:fillRef>
-          <a:effectRef idx="1">
-            <a:schemeClr val="accent1"/>
-          </a:effectRef>
-          <a:fontRef idx="minor">
-            <a:schemeClr val="tx1"/>
-          </a:fontRef>
-        </p:style>
-      </p:cxnSp>
     </p:spTree>
     <p:extLst>
       <p:ext uri="{BB962C8B-B14F-4D97-AF65-F5344CB8AC3E}">
-        <p14:creationId xmlns:p14="http://schemas.microsoft.com/office/powerpoint/2010/main" val="2728504888"/>
-      </p:ext>
-    </p:extLst>
-  </p:cSld>
-  <p:clrMapOvr>
-    <a:masterClrMapping/>
-  </p:clrMapOvr>
-</p:sld>
-</file>
-
-<file path=ppt/slides/slide6.xml><?xml version="1.0" encoding="utf-8"?>
-<p:sld xmlns:a="http://schemas.openxmlformats.org/drawingml/2006/main" xmlns:r="http://schemas.openxmlformats.org/officeDocument/2006/relationships" xmlns:p="http://schemas.openxmlformats.org/presentationml/2006/main">
-  <p:cSld>
-    <p:spTree>
-      <p:nvGrpSpPr>
-        <p:cNvPr id="1" name=""/>
-        <p:cNvGrpSpPr/>
-        <p:nvPr/>
-      </p:nvGrpSpPr>
-      <p:grpSpPr>
-        <a:xfrm>
-          <a:off x="0" y="0"/>
-          <a:ext cx="0" cy="0"/>
-          <a:chOff x="0" y="0"/>
-          <a:chExt cx="0" cy="0"/>
-        </a:xfrm>
-      </p:grpSpPr>
-      <p:pic>
-        <p:nvPicPr>
-          <p:cNvPr id="4" name="Imagen 3">
-            <a:extLst>
-              <a:ext uri="{FF2B5EF4-FFF2-40B4-BE49-F238E27FC236}">
-                <a16:creationId xmlns:a16="http://schemas.microsoft.com/office/drawing/2014/main" id="{59A27B24-11C2-7DF5-149C-E9A1CDE90758}"/>
-              </a:ext>
-            </a:extLst>
-          </p:cNvPr>
-          <p:cNvPicPr>
-            <a:picLocks noChangeAspect="1"/>
-          </p:cNvPicPr>
-          <p:nvPr/>
-        </p:nvPicPr>
-        <p:blipFill>
-          <a:blip r:embed="rId2"/>
-          <a:stretch>
-            <a:fillRect/>
-          </a:stretch>
-        </p:blipFill>
-        <p:spPr>
-          <a:xfrm>
-            <a:off x="179273" y="137327"/>
-            <a:ext cx="3810330" cy="4656223"/>
-          </a:xfrm>
-          <a:prstGeom prst="rect">
-            <a:avLst/>
-          </a:prstGeom>
-        </p:spPr>
-      </p:pic>
-      <p:pic>
-        <p:nvPicPr>
-          <p:cNvPr id="7" name="Imagen 6">
-            <a:extLst>
-              <a:ext uri="{FF2B5EF4-FFF2-40B4-BE49-F238E27FC236}">
-                <a16:creationId xmlns:a16="http://schemas.microsoft.com/office/drawing/2014/main" id="{F677D596-1628-2A79-26CA-D2894D7B14D3}"/>
-              </a:ext>
-            </a:extLst>
-          </p:cNvPr>
-          <p:cNvPicPr>
-            <a:picLocks noChangeAspect="1"/>
-          </p:cNvPicPr>
-          <p:nvPr/>
-        </p:nvPicPr>
-        <p:blipFill>
-          <a:blip r:embed="rId3"/>
-          <a:stretch>
-            <a:fillRect/>
-          </a:stretch>
-        </p:blipFill>
-        <p:spPr>
-          <a:xfrm>
-            <a:off x="590788" y="5061102"/>
-            <a:ext cx="2987299" cy="1219306"/>
-          </a:xfrm>
-          <a:prstGeom prst="rect">
-            <a:avLst/>
-          </a:prstGeom>
-        </p:spPr>
-      </p:pic>
-      <p:cxnSp>
-        <p:nvCxnSpPr>
-          <p:cNvPr id="11" name="Conector recto de flecha 10">
-            <a:extLst>
-              <a:ext uri="{FF2B5EF4-FFF2-40B4-BE49-F238E27FC236}">
-                <a16:creationId xmlns:a16="http://schemas.microsoft.com/office/drawing/2014/main" id="{540AD9FA-0718-5330-BC2F-56FA3FA6EA48}"/>
-              </a:ext>
-            </a:extLst>
-          </p:cNvPr>
-          <p:cNvCxnSpPr>
-            <a:stCxn id="4" idx="2"/>
-            <a:endCxn id="7" idx="0"/>
-          </p:cNvCxnSpPr>
-          <p:nvPr/>
-        </p:nvCxnSpPr>
-        <p:spPr>
-          <a:xfrm>
-            <a:off x="2084438" y="4793550"/>
-            <a:ext cx="0" cy="267552"/>
-          </a:xfrm>
-          <a:prstGeom prst="straightConnector1">
-            <a:avLst/>
-          </a:prstGeom>
-          <a:ln>
-            <a:tailEnd type="triangle"/>
-          </a:ln>
-        </p:spPr>
-        <p:style>
-          <a:lnRef idx="2">
-            <a:schemeClr val="accent1"/>
-          </a:lnRef>
-          <a:fillRef idx="0">
-            <a:schemeClr val="accent1"/>
-          </a:fillRef>
-          <a:effectRef idx="1">
-            <a:schemeClr val="accent1"/>
-          </a:effectRef>
-          <a:fontRef idx="minor">
-            <a:schemeClr val="tx1"/>
-          </a:fontRef>
-        </p:style>
-      </p:cxnSp>
-      <p:sp>
-        <p:nvSpPr>
-          <p:cNvPr id="13" name="CuadroTexto 12">
-            <a:extLst>
-              <a:ext uri="{FF2B5EF4-FFF2-40B4-BE49-F238E27FC236}">
-                <a16:creationId xmlns:a16="http://schemas.microsoft.com/office/drawing/2014/main" id="{13C5D6DC-92DB-F18D-1DB7-5C1B4CD7CAFC}"/>
-              </a:ext>
-            </a:extLst>
-          </p:cNvPr>
-          <p:cNvSpPr txBox="1"/>
-          <p:nvPr/>
-        </p:nvSpPr>
-        <p:spPr>
-          <a:xfrm>
-            <a:off x="4317218" y="259788"/>
-            <a:ext cx="7373337" cy="5355312"/>
-          </a:xfrm>
-          <a:prstGeom prst="rect">
-            <a:avLst/>
-          </a:prstGeom>
-          <a:noFill/>
-        </p:spPr>
-        <p:txBody>
-          <a:bodyPr wrap="square" rtlCol="0">
-            <a:spAutoFit/>
-          </a:bodyPr>
-          <a:lstStyle/>
-          <a:p>
-            <a:r>
-              <a:rPr lang="es-ES" dirty="0"/>
-              <a:t>Tras seleccionar 1 opción en la primera pregunta y una o varias en la segunda, podemos </a:t>
-            </a:r>
-            <a:r>
-              <a:rPr lang="es-ES" u="sng" dirty="0"/>
-              <a:t>mover o clicar </a:t>
-            </a:r>
-            <a:r>
-              <a:rPr lang="es-ES" dirty="0"/>
-              <a:t>el slider para expresar la tercera respuesta.</a:t>
-            </a:r>
-          </a:p>
-          <a:p>
-            <a:endParaRPr lang="es-ES" dirty="0"/>
-          </a:p>
-          <a:p>
-            <a:endParaRPr lang="es-ES" dirty="0"/>
-          </a:p>
-          <a:p>
-            <a:endParaRPr lang="es-ES" dirty="0"/>
-          </a:p>
-          <a:p>
-            <a:endParaRPr lang="es-ES" dirty="0"/>
-          </a:p>
-          <a:p>
-            <a:endParaRPr lang="es-ES" dirty="0"/>
-          </a:p>
-          <a:p>
-            <a:endParaRPr lang="es-ES" dirty="0"/>
-          </a:p>
-          <a:p>
-            <a:endParaRPr lang="es-ES" dirty="0"/>
-          </a:p>
-          <a:p>
-            <a:endParaRPr lang="es-ES" dirty="0"/>
-          </a:p>
-          <a:p>
-            <a:endParaRPr lang="es-ES" dirty="0"/>
-          </a:p>
-          <a:p>
-            <a:endParaRPr lang="es-ES" dirty="0"/>
-          </a:p>
-          <a:p>
-            <a:endParaRPr lang="es-ES" dirty="0"/>
-          </a:p>
-          <a:p>
-            <a:endParaRPr lang="es-ES" dirty="0"/>
-          </a:p>
-          <a:p>
-            <a:endParaRPr lang="es-ES" dirty="0"/>
-          </a:p>
-          <a:p>
-            <a:r>
-              <a:rPr lang="es-ES" dirty="0"/>
-              <a:t>El botón finalizar expresará la información registrada en la encuesta; si no se ha expresado ninguna respuesta en las primeras preguntas se mostrará el mensaje de “No seleccionado” (imagen en pág. anterior).</a:t>
-            </a:r>
-          </a:p>
-        </p:txBody>
-      </p:sp>
-      <p:pic>
-        <p:nvPicPr>
-          <p:cNvPr id="15" name="Imagen 14">
-            <a:extLst>
-              <a:ext uri="{FF2B5EF4-FFF2-40B4-BE49-F238E27FC236}">
-                <a16:creationId xmlns:a16="http://schemas.microsoft.com/office/drawing/2014/main" id="{E7C2994A-39A4-9121-8A1E-4A1271BC2113}"/>
-              </a:ext>
-            </a:extLst>
-          </p:cNvPr>
-          <p:cNvPicPr>
-            <a:picLocks noChangeAspect="1"/>
-          </p:cNvPicPr>
-          <p:nvPr/>
-        </p:nvPicPr>
-        <p:blipFill>
-          <a:blip r:embed="rId4"/>
-          <a:stretch>
-            <a:fillRect/>
-          </a:stretch>
-        </p:blipFill>
-        <p:spPr>
-          <a:xfrm>
-            <a:off x="4394462" y="1454182"/>
-            <a:ext cx="7178662" cy="3025402"/>
-          </a:xfrm>
-          <a:prstGeom prst="rect">
-            <a:avLst/>
-          </a:prstGeom>
-        </p:spPr>
-      </p:pic>
-    </p:spTree>
-    <p:extLst>
-      <p:ext uri="{BB962C8B-B14F-4D97-AF65-F5344CB8AC3E}">
-        <p14:creationId xmlns:p14="http://schemas.microsoft.com/office/powerpoint/2010/main" val="1370138588"/>
+        <p14:creationId xmlns:p14="http://schemas.microsoft.com/office/powerpoint/2010/main" val="2383568372"/>
       </p:ext>
     </p:extLst>
   </p:cSld>

--- a/[JAVA]/C2/TA10/ta10.pptx
+++ b/[JAVA]/C2/TA10/ta10.pptx
@@ -5,7 +5,7 @@
     <p:sldMasterId id="2147483648" r:id="rId1"/>
   </p:sldMasterIdLst>
   <p:notesMasterIdLst>
-    <p:notesMasterId r:id="rId7"/>
+    <p:notesMasterId r:id="rId15"/>
   </p:notesMasterIdLst>
   <p:sldIdLst>
     <p:sldId id="256" r:id="rId2"/>
@@ -13,6 +13,14 @@
     <p:sldId id="261" r:id="rId4"/>
     <p:sldId id="263" r:id="rId5"/>
     <p:sldId id="262" r:id="rId6"/>
+    <p:sldId id="264" r:id="rId7"/>
+    <p:sldId id="265" r:id="rId8"/>
+    <p:sldId id="266" r:id="rId9"/>
+    <p:sldId id="269" r:id="rId10"/>
+    <p:sldId id="267" r:id="rId11"/>
+    <p:sldId id="270" r:id="rId12"/>
+    <p:sldId id="268" r:id="rId13"/>
+    <p:sldId id="271" r:id="rId14"/>
   </p:sldIdLst>
   <p:sldSz cx="12192000" cy="6858000"/>
   <p:notesSz cx="6858000" cy="9144000"/>
@@ -201,7 +209,7 @@
           <a:p>
             <a:fld id="{C5602B21-8591-426E-BAAA-C22EA98085C0}" type="datetimeFigureOut">
               <a:rPr lang="es-ES" smtClean="0"/>
-              <a:t>14/05/2024</a:t>
+              <a:t>16/05/2024</a:t>
             </a:fld>
             <a:endParaRPr lang="es-ES"/>
           </a:p>
@@ -699,7 +707,7 @@
           <a:p>
             <a:fld id="{D8438D0A-D9A6-457A-9BDE-EC1985CB34E9}" type="datetimeFigureOut">
               <a:rPr lang="es-ES" smtClean="0"/>
-              <a:t>14/05/2024</a:t>
+              <a:t>16/05/2024</a:t>
             </a:fld>
             <a:endParaRPr lang="es-ES"/>
           </a:p>
@@ -897,7 +905,7 @@
           <a:p>
             <a:fld id="{D8438D0A-D9A6-457A-9BDE-EC1985CB34E9}" type="datetimeFigureOut">
               <a:rPr lang="es-ES" smtClean="0"/>
-              <a:t>14/05/2024</a:t>
+              <a:t>16/05/2024</a:t>
             </a:fld>
             <a:endParaRPr lang="es-ES"/>
           </a:p>
@@ -1105,7 +1113,7 @@
           <a:p>
             <a:fld id="{D8438D0A-D9A6-457A-9BDE-EC1985CB34E9}" type="datetimeFigureOut">
               <a:rPr lang="es-ES" smtClean="0"/>
-              <a:t>14/05/2024</a:t>
+              <a:t>16/05/2024</a:t>
             </a:fld>
             <a:endParaRPr lang="es-ES"/>
           </a:p>
@@ -1303,7 +1311,7 @@
           <a:p>
             <a:fld id="{D8438D0A-D9A6-457A-9BDE-EC1985CB34E9}" type="datetimeFigureOut">
               <a:rPr lang="es-ES" smtClean="0"/>
-              <a:t>14/05/2024</a:t>
+              <a:t>16/05/2024</a:t>
             </a:fld>
             <a:endParaRPr lang="es-ES"/>
           </a:p>
@@ -1578,7 +1586,7 @@
           <a:p>
             <a:fld id="{D8438D0A-D9A6-457A-9BDE-EC1985CB34E9}" type="datetimeFigureOut">
               <a:rPr lang="es-ES" smtClean="0"/>
-              <a:t>14/05/2024</a:t>
+              <a:t>16/05/2024</a:t>
             </a:fld>
             <a:endParaRPr lang="es-ES"/>
           </a:p>
@@ -1843,7 +1851,7 @@
           <a:p>
             <a:fld id="{D8438D0A-D9A6-457A-9BDE-EC1985CB34E9}" type="datetimeFigureOut">
               <a:rPr lang="es-ES" smtClean="0"/>
-              <a:t>14/05/2024</a:t>
+              <a:t>16/05/2024</a:t>
             </a:fld>
             <a:endParaRPr lang="es-ES"/>
           </a:p>
@@ -2255,7 +2263,7 @@
           <a:p>
             <a:fld id="{D8438D0A-D9A6-457A-9BDE-EC1985CB34E9}" type="datetimeFigureOut">
               <a:rPr lang="es-ES" smtClean="0"/>
-              <a:t>14/05/2024</a:t>
+              <a:t>16/05/2024</a:t>
             </a:fld>
             <a:endParaRPr lang="es-ES"/>
           </a:p>
@@ -2396,7 +2404,7 @@
           <a:p>
             <a:fld id="{D8438D0A-D9A6-457A-9BDE-EC1985CB34E9}" type="datetimeFigureOut">
               <a:rPr lang="es-ES" smtClean="0"/>
-              <a:t>14/05/2024</a:t>
+              <a:t>16/05/2024</a:t>
             </a:fld>
             <a:endParaRPr lang="es-ES"/>
           </a:p>
@@ -2509,7 +2517,7 @@
           <a:p>
             <a:fld id="{D8438D0A-D9A6-457A-9BDE-EC1985CB34E9}" type="datetimeFigureOut">
               <a:rPr lang="es-ES" smtClean="0"/>
-              <a:t>14/05/2024</a:t>
+              <a:t>16/05/2024</a:t>
             </a:fld>
             <a:endParaRPr lang="es-ES"/>
           </a:p>
@@ -2820,7 +2828,7 @@
           <a:p>
             <a:fld id="{D8438D0A-D9A6-457A-9BDE-EC1985CB34E9}" type="datetimeFigureOut">
               <a:rPr lang="es-ES" smtClean="0"/>
-              <a:t>14/05/2024</a:t>
+              <a:t>16/05/2024</a:t>
             </a:fld>
             <a:endParaRPr lang="es-ES"/>
           </a:p>
@@ -3108,7 +3116,7 @@
           <a:p>
             <a:fld id="{D8438D0A-D9A6-457A-9BDE-EC1985CB34E9}" type="datetimeFigureOut">
               <a:rPr lang="es-ES" smtClean="0"/>
-              <a:t>14/05/2024</a:t>
+              <a:t>16/05/2024</a:t>
             </a:fld>
             <a:endParaRPr lang="es-ES"/>
           </a:p>
@@ -3349,7 +3357,7 @@
           <a:p>
             <a:fld id="{D8438D0A-D9A6-457A-9BDE-EC1985CB34E9}" type="datetimeFigureOut">
               <a:rPr lang="es-ES" smtClean="0"/>
-              <a:t>14/05/2024</a:t>
+              <a:t>16/05/2024</a:t>
             </a:fld>
             <a:endParaRPr lang="es-ES"/>
           </a:p>
@@ -3809,6 +3817,1252 @@
 </p:sld>
 </file>
 
+<file path=ppt/slides/slide10.xml><?xml version="1.0" encoding="utf-8"?>
+<p:sld xmlns:a="http://schemas.openxmlformats.org/drawingml/2006/main" xmlns:r="http://schemas.openxmlformats.org/officeDocument/2006/relationships" xmlns:p="http://schemas.openxmlformats.org/presentationml/2006/main">
+  <p:cSld>
+    <p:spTree>
+      <p:nvGrpSpPr>
+        <p:cNvPr id="1" name=""/>
+        <p:cNvGrpSpPr/>
+        <p:nvPr/>
+      </p:nvGrpSpPr>
+      <p:grpSpPr>
+        <a:xfrm>
+          <a:off x="0" y="0"/>
+          <a:ext cx="0" cy="0"/>
+          <a:chOff x="0" y="0"/>
+          <a:chExt cx="0" cy="0"/>
+        </a:xfrm>
+      </p:grpSpPr>
+      <p:sp>
+        <p:nvSpPr>
+          <p:cNvPr id="6" name="CuadroTexto 5">
+            <a:extLst>
+              <a:ext uri="{FF2B5EF4-FFF2-40B4-BE49-F238E27FC236}">
+                <a16:creationId xmlns:a16="http://schemas.microsoft.com/office/drawing/2014/main" id="{59894D6D-46D5-DD81-8E1A-B37F7530357A}"/>
+              </a:ext>
+            </a:extLst>
+          </p:cNvPr>
+          <p:cNvSpPr txBox="1"/>
+          <p:nvPr/>
+        </p:nvSpPr>
+        <p:spPr>
+          <a:xfrm>
+            <a:off x="314633" y="236899"/>
+            <a:ext cx="5073445" cy="646331"/>
+          </a:xfrm>
+          <a:prstGeom prst="rect">
+            <a:avLst/>
+          </a:prstGeom>
+          <a:noFill/>
+        </p:spPr>
+        <p:txBody>
+          <a:bodyPr wrap="square" rtlCol="0">
+            <a:spAutoFit/>
+          </a:bodyPr>
+          <a:lstStyle/>
+          <a:p>
+            <a:r>
+              <a:rPr lang="es-ES" b="1" dirty="0"/>
+              <a:t>BLOQUES TRY-CATCH</a:t>
+            </a:r>
+          </a:p>
+          <a:p>
+            <a:pPr marL="342900" indent="-342900">
+              <a:buFont typeface="+mj-lt"/>
+              <a:buAutoNum type="alphaUcPeriod" startAt="2"/>
+            </a:pPr>
+            <a:r>
+              <a:rPr lang="es-ES" dirty="0"/>
+              <a:t>Leer número de contraseñas a generar</a:t>
+            </a:r>
+          </a:p>
+        </p:txBody>
+      </p:sp>
+      <p:pic>
+        <p:nvPicPr>
+          <p:cNvPr id="7" name="Imagen 6">
+            <a:extLst>
+              <a:ext uri="{FF2B5EF4-FFF2-40B4-BE49-F238E27FC236}">
+                <a16:creationId xmlns:a16="http://schemas.microsoft.com/office/drawing/2014/main" id="{D7F98B76-AE19-EF1A-5CFE-4E5FE38BF58C}"/>
+              </a:ext>
+            </a:extLst>
+          </p:cNvPr>
+          <p:cNvPicPr>
+            <a:picLocks noChangeAspect="1"/>
+          </p:cNvPicPr>
+          <p:nvPr/>
+        </p:nvPicPr>
+        <p:blipFill>
+          <a:blip r:embed="rId2"/>
+          <a:stretch>
+            <a:fillRect/>
+          </a:stretch>
+        </p:blipFill>
+        <p:spPr>
+          <a:xfrm>
+            <a:off x="314633" y="1092706"/>
+            <a:ext cx="11641355" cy="4698493"/>
+          </a:xfrm>
+          <a:prstGeom prst="rect">
+            <a:avLst/>
+          </a:prstGeom>
+        </p:spPr>
+      </p:pic>
+    </p:spTree>
+    <p:extLst>
+      <p:ext uri="{BB962C8B-B14F-4D97-AF65-F5344CB8AC3E}">
+        <p14:creationId xmlns:p14="http://schemas.microsoft.com/office/powerpoint/2010/main" val="2652669143"/>
+      </p:ext>
+    </p:extLst>
+  </p:cSld>
+  <p:clrMapOvr>
+    <a:masterClrMapping/>
+  </p:clrMapOvr>
+</p:sld>
+</file>
+
+<file path=ppt/slides/slide11.xml><?xml version="1.0" encoding="utf-8"?>
+<p:sld xmlns:a="http://schemas.openxmlformats.org/drawingml/2006/main" xmlns:r="http://schemas.openxmlformats.org/officeDocument/2006/relationships" xmlns:p="http://schemas.openxmlformats.org/presentationml/2006/main">
+  <p:cSld>
+    <p:spTree>
+      <p:nvGrpSpPr>
+        <p:cNvPr id="1" name=""/>
+        <p:cNvGrpSpPr/>
+        <p:nvPr/>
+      </p:nvGrpSpPr>
+      <p:grpSpPr>
+        <a:xfrm>
+          <a:off x="0" y="0"/>
+          <a:ext cx="0" cy="0"/>
+          <a:chOff x="0" y="0"/>
+          <a:chExt cx="0" cy="0"/>
+        </a:xfrm>
+      </p:grpSpPr>
+      <p:sp>
+        <p:nvSpPr>
+          <p:cNvPr id="6" name="CuadroTexto 5">
+            <a:extLst>
+              <a:ext uri="{FF2B5EF4-FFF2-40B4-BE49-F238E27FC236}">
+                <a16:creationId xmlns:a16="http://schemas.microsoft.com/office/drawing/2014/main" id="{59894D6D-46D5-DD81-8E1A-B37F7530357A}"/>
+              </a:ext>
+            </a:extLst>
+          </p:cNvPr>
+          <p:cNvSpPr txBox="1"/>
+          <p:nvPr/>
+        </p:nvSpPr>
+        <p:spPr>
+          <a:xfrm>
+            <a:off x="314633" y="236899"/>
+            <a:ext cx="11464412" cy="3139321"/>
+          </a:xfrm>
+          <a:prstGeom prst="rect">
+            <a:avLst/>
+          </a:prstGeom>
+          <a:noFill/>
+        </p:spPr>
+        <p:txBody>
+          <a:bodyPr wrap="square" rtlCol="0">
+            <a:spAutoFit/>
+          </a:bodyPr>
+          <a:lstStyle/>
+          <a:p>
+            <a:r>
+              <a:rPr lang="es-ES" b="1" dirty="0"/>
+              <a:t>BLOQUES TRY-CATCH</a:t>
+            </a:r>
+          </a:p>
+          <a:p>
+            <a:pPr marL="342900" indent="-342900">
+              <a:buFont typeface="+mj-lt"/>
+              <a:buAutoNum type="alphaUcPeriod" startAt="2"/>
+            </a:pPr>
+            <a:r>
+              <a:rPr lang="es-ES" dirty="0"/>
+              <a:t>Leer número de contraseñas a generar.</a:t>
+            </a:r>
+          </a:p>
+          <a:p>
+            <a:endParaRPr lang="es-ES" dirty="0"/>
+          </a:p>
+          <a:p>
+            <a:r>
+              <a:rPr lang="es-ES" b="1" dirty="0"/>
+              <a:t>Propósito: </a:t>
+            </a:r>
+            <a:r>
+              <a:rPr lang="es-ES" dirty="0"/>
+              <a:t> Asegurarse de que el usuario introduce un </a:t>
+            </a:r>
+            <a:r>
+              <a:rPr lang="es-ES" u="sng" dirty="0"/>
+              <a:t>número válido</a:t>
+            </a:r>
+            <a:r>
+              <a:rPr lang="es-ES" dirty="0"/>
+              <a:t> para la cantidad de contraseñas a generar.</a:t>
+            </a:r>
+          </a:p>
+          <a:p>
+            <a:endParaRPr lang="es-ES" dirty="0"/>
+          </a:p>
+          <a:p>
+            <a:r>
+              <a:rPr lang="es-ES" b="1" dirty="0"/>
+              <a:t>Funcionamiento:</a:t>
+            </a:r>
+          </a:p>
+          <a:p>
+            <a:r>
+              <a:rPr lang="es-ES" i="1" dirty="0"/>
+              <a:t>try</a:t>
+            </a:r>
+            <a:r>
+              <a:rPr lang="es-ES" dirty="0"/>
+              <a:t> intenta leer y convertir la cantidad introducida a un número entero.</a:t>
+            </a:r>
+          </a:p>
+          <a:p>
+            <a:pPr marL="342900" indent="-342900">
+              <a:buFont typeface="+mj-lt"/>
+              <a:buAutoNum type="alphaLcParenR"/>
+            </a:pPr>
+            <a:r>
+              <a:rPr lang="es-ES" dirty="0"/>
+              <a:t>Si el usuario introduce un número negativo, se lanza una </a:t>
+            </a:r>
+            <a:r>
+              <a:rPr lang="es-ES" i="1" dirty="0" err="1"/>
+              <a:t>CantidadInvalidaException</a:t>
+            </a:r>
+            <a:r>
+              <a:rPr lang="es-ES" dirty="0"/>
+              <a:t> y se solicita que introduzca un número entero positivo.</a:t>
+            </a:r>
+          </a:p>
+          <a:p>
+            <a:pPr marL="342900" indent="-342900">
+              <a:buFont typeface="+mj-lt"/>
+              <a:buAutoNum type="alphaLcParenR"/>
+            </a:pPr>
+            <a:r>
+              <a:rPr lang="es-ES" dirty="0"/>
+              <a:t>Si el usuario introduce caracteres que no sean numéricos, se lanza una </a:t>
+            </a:r>
+            <a:r>
+              <a:rPr lang="es-ES" i="1" dirty="0" err="1"/>
+              <a:t>EntradaNoNumericaException</a:t>
+            </a:r>
+            <a:r>
+              <a:rPr lang="es-ES" dirty="0"/>
+              <a:t> y se solicita que introduzca un numero entero positivo.</a:t>
+            </a:r>
+          </a:p>
+        </p:txBody>
+      </p:sp>
+      <p:pic>
+        <p:nvPicPr>
+          <p:cNvPr id="5" name="Imagen 4">
+            <a:extLst>
+              <a:ext uri="{FF2B5EF4-FFF2-40B4-BE49-F238E27FC236}">
+                <a16:creationId xmlns:a16="http://schemas.microsoft.com/office/drawing/2014/main" id="{5E0D7C98-1035-DC1D-CB6D-ED22B4E180E0}"/>
+              </a:ext>
+            </a:extLst>
+          </p:cNvPr>
+          <p:cNvPicPr>
+            <a:picLocks noChangeAspect="1"/>
+          </p:cNvPicPr>
+          <p:nvPr/>
+        </p:nvPicPr>
+        <p:blipFill rotWithShape="1">
+          <a:blip r:embed="rId2"/>
+          <a:srcRect t="7213"/>
+          <a:stretch/>
+        </p:blipFill>
+        <p:spPr>
+          <a:xfrm>
+            <a:off x="1931174" y="3644768"/>
+            <a:ext cx="8009066" cy="2775696"/>
+          </a:xfrm>
+          <a:prstGeom prst="rect">
+            <a:avLst/>
+          </a:prstGeom>
+        </p:spPr>
+      </p:pic>
+      <p:sp>
+        <p:nvSpPr>
+          <p:cNvPr id="7" name="Rectángulo 6">
+            <a:extLst>
+              <a:ext uri="{FF2B5EF4-FFF2-40B4-BE49-F238E27FC236}">
+                <a16:creationId xmlns:a16="http://schemas.microsoft.com/office/drawing/2014/main" id="{A647C3D5-10A0-6FAE-0860-1F9172566DDB}"/>
+              </a:ext>
+            </a:extLst>
+          </p:cNvPr>
+          <p:cNvSpPr/>
+          <p:nvPr/>
+        </p:nvSpPr>
+        <p:spPr>
+          <a:xfrm>
+            <a:off x="1783862" y="3913518"/>
+            <a:ext cx="8009066" cy="452814"/>
+          </a:xfrm>
+          <a:prstGeom prst="rect">
+            <a:avLst/>
+          </a:prstGeom>
+          <a:noFill/>
+          <a:ln w="28575">
+            <a:solidFill>
+              <a:srgbClr val="FFFF00"/>
+            </a:solidFill>
+          </a:ln>
+        </p:spPr>
+        <p:style>
+          <a:lnRef idx="2">
+            <a:schemeClr val="accent1">
+              <a:shade val="15000"/>
+            </a:schemeClr>
+          </a:lnRef>
+          <a:fillRef idx="1">
+            <a:schemeClr val="accent1"/>
+          </a:fillRef>
+          <a:effectRef idx="0">
+            <a:schemeClr val="accent1"/>
+          </a:effectRef>
+          <a:fontRef idx="minor">
+            <a:schemeClr val="lt1"/>
+          </a:fontRef>
+        </p:style>
+        <p:txBody>
+          <a:bodyPr rtlCol="0" anchor="ctr"/>
+          <a:lstStyle/>
+          <a:p>
+            <a:pPr algn="ctr"/>
+            <a:endParaRPr lang="es-ES"/>
+          </a:p>
+        </p:txBody>
+      </p:sp>
+      <p:sp>
+        <p:nvSpPr>
+          <p:cNvPr id="8" name="Rectángulo 7">
+            <a:extLst>
+              <a:ext uri="{FF2B5EF4-FFF2-40B4-BE49-F238E27FC236}">
+                <a16:creationId xmlns:a16="http://schemas.microsoft.com/office/drawing/2014/main" id="{1BDBD827-65F7-3C1F-F088-CC3CDF4570FC}"/>
+              </a:ext>
+            </a:extLst>
+          </p:cNvPr>
+          <p:cNvSpPr/>
+          <p:nvPr/>
+        </p:nvSpPr>
+        <p:spPr>
+          <a:xfrm>
+            <a:off x="1783864" y="4419111"/>
+            <a:ext cx="8009065" cy="452814"/>
+          </a:xfrm>
+          <a:prstGeom prst="rect">
+            <a:avLst/>
+          </a:prstGeom>
+          <a:noFill/>
+          <a:ln w="28575">
+            <a:solidFill>
+              <a:srgbClr val="FFC000"/>
+            </a:solidFill>
+          </a:ln>
+        </p:spPr>
+        <p:style>
+          <a:lnRef idx="2">
+            <a:schemeClr val="accent1">
+              <a:shade val="15000"/>
+            </a:schemeClr>
+          </a:lnRef>
+          <a:fillRef idx="1">
+            <a:schemeClr val="accent1"/>
+          </a:fillRef>
+          <a:effectRef idx="0">
+            <a:schemeClr val="accent1"/>
+          </a:effectRef>
+          <a:fontRef idx="minor">
+            <a:schemeClr val="lt1"/>
+          </a:fontRef>
+        </p:style>
+        <p:txBody>
+          <a:bodyPr rtlCol="0" anchor="ctr"/>
+          <a:lstStyle/>
+          <a:p>
+            <a:pPr algn="ctr"/>
+            <a:endParaRPr lang="es-ES"/>
+          </a:p>
+        </p:txBody>
+      </p:sp>
+      <p:sp>
+        <p:nvSpPr>
+          <p:cNvPr id="9" name="Rectángulo 8">
+            <a:extLst>
+              <a:ext uri="{FF2B5EF4-FFF2-40B4-BE49-F238E27FC236}">
+                <a16:creationId xmlns:a16="http://schemas.microsoft.com/office/drawing/2014/main" id="{D84704EF-978C-9A2B-7F8D-25DB50A28E26}"/>
+              </a:ext>
+            </a:extLst>
+          </p:cNvPr>
+          <p:cNvSpPr/>
+          <p:nvPr/>
+        </p:nvSpPr>
+        <p:spPr>
+          <a:xfrm>
+            <a:off x="6282813" y="2235222"/>
+            <a:ext cx="2713703" cy="203888"/>
+          </a:xfrm>
+          <a:prstGeom prst="rect">
+            <a:avLst/>
+          </a:prstGeom>
+          <a:noFill/>
+          <a:ln w="28575">
+            <a:solidFill>
+              <a:srgbClr val="FFFF00"/>
+            </a:solidFill>
+          </a:ln>
+        </p:spPr>
+        <p:style>
+          <a:lnRef idx="2">
+            <a:schemeClr val="accent1">
+              <a:shade val="15000"/>
+            </a:schemeClr>
+          </a:lnRef>
+          <a:fillRef idx="1">
+            <a:schemeClr val="accent1"/>
+          </a:fillRef>
+          <a:effectRef idx="0">
+            <a:schemeClr val="accent1"/>
+          </a:effectRef>
+          <a:fontRef idx="minor">
+            <a:schemeClr val="lt1"/>
+          </a:fontRef>
+        </p:style>
+        <p:txBody>
+          <a:bodyPr rtlCol="0" anchor="ctr"/>
+          <a:lstStyle/>
+          <a:p>
+            <a:pPr algn="ctr"/>
+            <a:endParaRPr lang="es-ES" dirty="0"/>
+          </a:p>
+        </p:txBody>
+      </p:sp>
+      <p:sp>
+        <p:nvSpPr>
+          <p:cNvPr id="10" name="Rectángulo 9">
+            <a:extLst>
+              <a:ext uri="{FF2B5EF4-FFF2-40B4-BE49-F238E27FC236}">
+                <a16:creationId xmlns:a16="http://schemas.microsoft.com/office/drawing/2014/main" id="{765370CC-F52B-D548-B693-9632A1E64703}"/>
+              </a:ext>
+            </a:extLst>
+          </p:cNvPr>
+          <p:cNvSpPr/>
+          <p:nvPr/>
+        </p:nvSpPr>
+        <p:spPr>
+          <a:xfrm>
+            <a:off x="7737987" y="2773391"/>
+            <a:ext cx="3048000" cy="268548"/>
+          </a:xfrm>
+          <a:prstGeom prst="rect">
+            <a:avLst/>
+          </a:prstGeom>
+          <a:noFill/>
+          <a:ln w="28575">
+            <a:solidFill>
+              <a:srgbClr val="FFC000"/>
+            </a:solidFill>
+          </a:ln>
+        </p:spPr>
+        <p:style>
+          <a:lnRef idx="2">
+            <a:schemeClr val="accent1">
+              <a:shade val="15000"/>
+            </a:schemeClr>
+          </a:lnRef>
+          <a:fillRef idx="1">
+            <a:schemeClr val="accent1"/>
+          </a:fillRef>
+          <a:effectRef idx="0">
+            <a:schemeClr val="accent1"/>
+          </a:effectRef>
+          <a:fontRef idx="minor">
+            <a:schemeClr val="lt1"/>
+          </a:fontRef>
+        </p:style>
+        <p:txBody>
+          <a:bodyPr rtlCol="0" anchor="ctr"/>
+          <a:lstStyle/>
+          <a:p>
+            <a:pPr algn="ctr"/>
+            <a:endParaRPr lang="es-ES"/>
+          </a:p>
+        </p:txBody>
+      </p:sp>
+      <p:cxnSp>
+        <p:nvCxnSpPr>
+          <p:cNvPr id="11" name="Conector: angular 10">
+            <a:extLst>
+              <a:ext uri="{FF2B5EF4-FFF2-40B4-BE49-F238E27FC236}">
+                <a16:creationId xmlns:a16="http://schemas.microsoft.com/office/drawing/2014/main" id="{0669833E-B4B4-E7B3-D309-359139949848}"/>
+              </a:ext>
+            </a:extLst>
+          </p:cNvPr>
+          <p:cNvCxnSpPr>
+            <a:cxnSpLocks/>
+            <a:stCxn id="9" idx="0"/>
+            <a:endCxn id="7" idx="3"/>
+          </p:cNvCxnSpPr>
+          <p:nvPr/>
+        </p:nvCxnSpPr>
+        <p:spPr>
+          <a:xfrm rot="16200000" flipH="1">
+            <a:off x="7763944" y="2110942"/>
+            <a:ext cx="1904703" cy="2153263"/>
+          </a:xfrm>
+          <a:prstGeom prst="bentConnector4">
+            <a:avLst>
+              <a:gd name="adj1" fmla="val -12002"/>
+              <a:gd name="adj2" fmla="val 197374"/>
+            </a:avLst>
+          </a:prstGeom>
+          <a:ln w="28575">
+            <a:solidFill>
+              <a:srgbClr val="FFFF00"/>
+            </a:solidFill>
+            <a:tailEnd type="triangle"/>
+          </a:ln>
+        </p:spPr>
+        <p:style>
+          <a:lnRef idx="2">
+            <a:schemeClr val="accent1"/>
+          </a:lnRef>
+          <a:fillRef idx="0">
+            <a:schemeClr val="accent1"/>
+          </a:fillRef>
+          <a:effectRef idx="1">
+            <a:schemeClr val="accent1"/>
+          </a:effectRef>
+          <a:fontRef idx="minor">
+            <a:schemeClr val="tx1"/>
+          </a:fontRef>
+        </p:style>
+      </p:cxnSp>
+      <p:cxnSp>
+        <p:nvCxnSpPr>
+          <p:cNvPr id="35" name="Conector: angular 34">
+            <a:extLst>
+              <a:ext uri="{FF2B5EF4-FFF2-40B4-BE49-F238E27FC236}">
+                <a16:creationId xmlns:a16="http://schemas.microsoft.com/office/drawing/2014/main" id="{CC2320F1-2983-1F38-509F-956E0201D331}"/>
+              </a:ext>
+            </a:extLst>
+          </p:cNvPr>
+          <p:cNvCxnSpPr>
+            <a:stCxn id="10" idx="2"/>
+            <a:endCxn id="8" idx="1"/>
+          </p:cNvCxnSpPr>
+          <p:nvPr/>
+        </p:nvCxnSpPr>
+        <p:spPr>
+          <a:xfrm rot="5400000">
+            <a:off x="4721137" y="104667"/>
+            <a:ext cx="1603579" cy="7478123"/>
+          </a:xfrm>
+          <a:prstGeom prst="bentConnector4">
+            <a:avLst>
+              <a:gd name="adj1" fmla="val 19642"/>
+              <a:gd name="adj2" fmla="val 103057"/>
+            </a:avLst>
+          </a:prstGeom>
+          <a:ln w="28575">
+            <a:solidFill>
+              <a:srgbClr val="FFC000"/>
+            </a:solidFill>
+            <a:tailEnd type="triangle"/>
+          </a:ln>
+        </p:spPr>
+        <p:style>
+          <a:lnRef idx="2">
+            <a:schemeClr val="accent1"/>
+          </a:lnRef>
+          <a:fillRef idx="0">
+            <a:schemeClr val="accent1"/>
+          </a:fillRef>
+          <a:effectRef idx="1">
+            <a:schemeClr val="accent1"/>
+          </a:effectRef>
+          <a:fontRef idx="minor">
+            <a:schemeClr val="tx1"/>
+          </a:fontRef>
+        </p:style>
+      </p:cxnSp>
+    </p:spTree>
+    <p:extLst>
+      <p:ext uri="{BB962C8B-B14F-4D97-AF65-F5344CB8AC3E}">
+        <p14:creationId xmlns:p14="http://schemas.microsoft.com/office/powerpoint/2010/main" val="4269755319"/>
+      </p:ext>
+    </p:extLst>
+  </p:cSld>
+  <p:clrMapOvr>
+    <a:masterClrMapping/>
+  </p:clrMapOvr>
+</p:sld>
+</file>
+
+<file path=ppt/slides/slide12.xml><?xml version="1.0" encoding="utf-8"?>
+<p:sld xmlns:a="http://schemas.openxmlformats.org/drawingml/2006/main" xmlns:r="http://schemas.openxmlformats.org/officeDocument/2006/relationships" xmlns:p="http://schemas.openxmlformats.org/presentationml/2006/main">
+  <p:cSld>
+    <p:spTree>
+      <p:nvGrpSpPr>
+        <p:cNvPr id="1" name=""/>
+        <p:cNvGrpSpPr/>
+        <p:nvPr/>
+      </p:nvGrpSpPr>
+      <p:grpSpPr>
+        <a:xfrm>
+          <a:off x="0" y="0"/>
+          <a:ext cx="0" cy="0"/>
+          <a:chOff x="0" y="0"/>
+          <a:chExt cx="0" cy="0"/>
+        </a:xfrm>
+      </p:grpSpPr>
+      <p:sp>
+        <p:nvSpPr>
+          <p:cNvPr id="6" name="CuadroTexto 5">
+            <a:extLst>
+              <a:ext uri="{FF2B5EF4-FFF2-40B4-BE49-F238E27FC236}">
+                <a16:creationId xmlns:a16="http://schemas.microsoft.com/office/drawing/2014/main" id="{59894D6D-46D5-DD81-8E1A-B37F7530357A}"/>
+              </a:ext>
+            </a:extLst>
+          </p:cNvPr>
+          <p:cNvSpPr txBox="1"/>
+          <p:nvPr/>
+        </p:nvSpPr>
+        <p:spPr>
+          <a:xfrm>
+            <a:off x="314633" y="236899"/>
+            <a:ext cx="5073445" cy="646331"/>
+          </a:xfrm>
+          <a:prstGeom prst="rect">
+            <a:avLst/>
+          </a:prstGeom>
+          <a:noFill/>
+        </p:spPr>
+        <p:txBody>
+          <a:bodyPr wrap="square" rtlCol="0">
+            <a:spAutoFit/>
+          </a:bodyPr>
+          <a:lstStyle/>
+          <a:p>
+            <a:r>
+              <a:rPr lang="es-ES" b="1" dirty="0"/>
+              <a:t>BLOQUES TRY-CATCH</a:t>
+            </a:r>
+          </a:p>
+          <a:p>
+            <a:pPr marL="342900" indent="-342900">
+              <a:buFont typeface="+mj-lt"/>
+              <a:buAutoNum type="alphaUcPeriod" startAt="3"/>
+            </a:pPr>
+            <a:r>
+              <a:rPr lang="es-ES" dirty="0"/>
+              <a:t>Validar input del usuario (reinicio programa)</a:t>
+            </a:r>
+          </a:p>
+        </p:txBody>
+      </p:sp>
+      <p:pic>
+        <p:nvPicPr>
+          <p:cNvPr id="7" name="Imagen 6">
+            <a:extLst>
+              <a:ext uri="{FF2B5EF4-FFF2-40B4-BE49-F238E27FC236}">
+                <a16:creationId xmlns:a16="http://schemas.microsoft.com/office/drawing/2014/main" id="{F65AA980-F5E3-1DF3-F179-A01B548F9D56}"/>
+              </a:ext>
+            </a:extLst>
+          </p:cNvPr>
+          <p:cNvPicPr>
+            <a:picLocks noChangeAspect="1"/>
+          </p:cNvPicPr>
+          <p:nvPr/>
+        </p:nvPicPr>
+        <p:blipFill>
+          <a:blip r:embed="rId2"/>
+          <a:stretch>
+            <a:fillRect/>
+          </a:stretch>
+        </p:blipFill>
+        <p:spPr>
+          <a:xfrm>
+            <a:off x="314632" y="1001739"/>
+            <a:ext cx="11556669" cy="5113926"/>
+          </a:xfrm>
+          <a:prstGeom prst="rect">
+            <a:avLst/>
+          </a:prstGeom>
+        </p:spPr>
+      </p:pic>
+    </p:spTree>
+    <p:extLst>
+      <p:ext uri="{BB962C8B-B14F-4D97-AF65-F5344CB8AC3E}">
+        <p14:creationId xmlns:p14="http://schemas.microsoft.com/office/powerpoint/2010/main" val="656463555"/>
+      </p:ext>
+    </p:extLst>
+  </p:cSld>
+  <p:clrMapOvr>
+    <a:masterClrMapping/>
+  </p:clrMapOvr>
+</p:sld>
+</file>
+
+<file path=ppt/slides/slide13.xml><?xml version="1.0" encoding="utf-8"?>
+<p:sld xmlns:a="http://schemas.openxmlformats.org/drawingml/2006/main" xmlns:r="http://schemas.openxmlformats.org/officeDocument/2006/relationships" xmlns:p="http://schemas.openxmlformats.org/presentationml/2006/main">
+  <p:cSld>
+    <p:spTree>
+      <p:nvGrpSpPr>
+        <p:cNvPr id="1" name=""/>
+        <p:cNvGrpSpPr/>
+        <p:nvPr/>
+      </p:nvGrpSpPr>
+      <p:grpSpPr>
+        <a:xfrm>
+          <a:off x="0" y="0"/>
+          <a:ext cx="0" cy="0"/>
+          <a:chOff x="0" y="0"/>
+          <a:chExt cx="0" cy="0"/>
+        </a:xfrm>
+      </p:grpSpPr>
+      <p:sp>
+        <p:nvSpPr>
+          <p:cNvPr id="6" name="CuadroTexto 5">
+            <a:extLst>
+              <a:ext uri="{FF2B5EF4-FFF2-40B4-BE49-F238E27FC236}">
+                <a16:creationId xmlns:a16="http://schemas.microsoft.com/office/drawing/2014/main" id="{59894D6D-46D5-DD81-8E1A-B37F7530357A}"/>
+              </a:ext>
+            </a:extLst>
+          </p:cNvPr>
+          <p:cNvSpPr txBox="1"/>
+          <p:nvPr/>
+        </p:nvSpPr>
+        <p:spPr>
+          <a:xfrm>
+            <a:off x="314633" y="236899"/>
+            <a:ext cx="11464412" cy="2862322"/>
+          </a:xfrm>
+          <a:prstGeom prst="rect">
+            <a:avLst/>
+          </a:prstGeom>
+          <a:noFill/>
+        </p:spPr>
+        <p:txBody>
+          <a:bodyPr wrap="square" rtlCol="0">
+            <a:spAutoFit/>
+          </a:bodyPr>
+          <a:lstStyle/>
+          <a:p>
+            <a:r>
+              <a:rPr lang="es-ES" b="1" dirty="0"/>
+              <a:t>BLOQUES TRY-CATCH</a:t>
+            </a:r>
+          </a:p>
+          <a:p>
+            <a:pPr marL="342900" indent="-342900">
+              <a:buFont typeface="+mj-lt"/>
+              <a:buAutoNum type="alphaUcPeriod" startAt="3"/>
+            </a:pPr>
+            <a:r>
+              <a:rPr lang="es-ES" dirty="0"/>
+              <a:t>Validar input del usuario: transformación de contraseñas y reinicio del programa.</a:t>
+            </a:r>
+          </a:p>
+          <a:p>
+            <a:endParaRPr lang="es-ES" dirty="0"/>
+          </a:p>
+          <a:p>
+            <a:r>
+              <a:rPr lang="es-ES" b="1" dirty="0"/>
+              <a:t>Propósito: </a:t>
+            </a:r>
+            <a:r>
+              <a:rPr lang="es-ES" dirty="0"/>
+              <a:t>Asegurarse de que el usuario introduce una </a:t>
+            </a:r>
+            <a:r>
+              <a:rPr lang="es-ES" u="sng" dirty="0"/>
+              <a:t>respuesta válida ('S' o 'N')</a:t>
+            </a:r>
+            <a:r>
+              <a:rPr lang="es-ES" dirty="0"/>
+              <a:t> para decidir si transformar las contraseñas débiles en fuertes.</a:t>
+            </a:r>
+          </a:p>
+          <a:p>
+            <a:endParaRPr lang="es-ES" dirty="0"/>
+          </a:p>
+          <a:p>
+            <a:r>
+              <a:rPr lang="es-ES" b="1" dirty="0"/>
+              <a:t>Funcionamiento:</a:t>
+            </a:r>
+          </a:p>
+          <a:p>
+            <a:r>
+              <a:rPr lang="es-ES" i="1" dirty="0"/>
+              <a:t>try</a:t>
+            </a:r>
+            <a:r>
+              <a:rPr lang="es-ES" dirty="0"/>
+              <a:t> lee la respuesta y la convierte a mayúsculas.</a:t>
+            </a:r>
+          </a:p>
+          <a:p>
+            <a:pPr marL="342900" indent="-342900">
+              <a:buFont typeface="+mj-lt"/>
+              <a:buAutoNum type="alphaLcParenR"/>
+            </a:pPr>
+            <a:r>
+              <a:rPr lang="es-ES" dirty="0"/>
+              <a:t>Si la respuesta no es 'S' o 'N', se lanza una </a:t>
+            </a:r>
+            <a:r>
+              <a:rPr lang="es-ES" i="1" dirty="0" err="1"/>
+              <a:t>IllegalArgumentException</a:t>
+            </a:r>
+            <a:r>
+              <a:rPr lang="es-ES" dirty="0"/>
+              <a:t> con un mensaje explicativo, solicitando al usuario que introduzca una respuesta válida.</a:t>
+            </a:r>
+          </a:p>
+        </p:txBody>
+      </p:sp>
+      <p:sp>
+        <p:nvSpPr>
+          <p:cNvPr id="2" name="Rectangle 1">
+            <a:extLst>
+              <a:ext uri="{FF2B5EF4-FFF2-40B4-BE49-F238E27FC236}">
+                <a16:creationId xmlns:a16="http://schemas.microsoft.com/office/drawing/2014/main" id="{5CCC7375-38F3-C896-8C05-5F769873EEF2}"/>
+              </a:ext>
+            </a:extLst>
+          </p:cNvPr>
+          <p:cNvSpPr>
+            <a:spLocks noChangeArrowheads="1"/>
+          </p:cNvSpPr>
+          <p:nvPr/>
+        </p:nvSpPr>
+        <p:spPr bwMode="auto">
+          <a:xfrm>
+            <a:off x="0" y="-397186"/>
+            <a:ext cx="65" cy="794373"/>
+          </a:xfrm>
+          <a:prstGeom prst="rect">
+            <a:avLst/>
+          </a:prstGeom>
+          <a:solidFill>
+            <a:srgbClr val="212121"/>
+          </a:solidFill>
+          <a:ln>
+            <a:noFill/>
+          </a:ln>
+          <a:effectLst/>
+          <a:extLst>
+            <a:ext uri="{91240B29-F687-4F45-9708-019B960494DF}">
+              <a14:hiddenLine xmlns:a14="http://schemas.microsoft.com/office/drawing/2010/main" w="9525">
+                <a:solidFill>
+                  <a:schemeClr val="tx1"/>
+                </a:solidFill>
+                <a:miter lim="800000"/>
+                <a:headEnd/>
+                <a:tailEnd/>
+              </a14:hiddenLine>
+            </a:ext>
+            <a:ext uri="{AF507438-7753-43E0-B8FC-AC1667EBCBE1}">
+              <a14:hiddenEffects xmlns:a14="http://schemas.microsoft.com/office/drawing/2010/main">
+                <a:effectLst>
+                  <a:outerShdw dist="35921" dir="2700000" algn="ctr" rotWithShape="0">
+                    <a:schemeClr val="bg2"/>
+                  </a:outerShdw>
+                </a:effectLst>
+              </a14:hiddenEffects>
+            </a:ext>
+          </a:extLst>
+        </p:spPr>
+        <p:txBody>
+          <a:bodyPr vert="horz" wrap="none" lIns="0" tIns="119025" rIns="0" bIns="119025" numCol="1" anchor="ctr" anchorCtr="0" compatLnSpc="1">
+            <a:prstTxWarp prst="textNoShape">
+              <a:avLst/>
+            </a:prstTxWarp>
+            <a:spAutoFit/>
+          </a:bodyPr>
+          <a:lstStyle/>
+          <a:p>
+            <a:pPr marL="0" marR="0" lvl="0" indent="0" algn="l" defTabSz="914400" rtl="0" eaLnBrk="0" fontAlgn="base" latinLnBrk="0" hangingPunct="0">
+              <a:lnSpc>
+                <a:spcPct val="100000"/>
+              </a:lnSpc>
+              <a:spcBef>
+                <a:spcPct val="0"/>
+              </a:spcBef>
+              <a:spcAft>
+                <a:spcPct val="0"/>
+              </a:spcAft>
+              <a:buClrTx/>
+              <a:buSzTx/>
+              <a:buFontTx/>
+              <a:buNone/>
+              <a:tabLst/>
+            </a:pPr>
+            <a:endParaRPr kumimoji="0" lang="es-ES" altLang="es-ES" sz="1800" b="0" i="0" u="none" strike="noStrike" cap="none" normalizeH="0" baseline="0" dirty="0">
+              <a:ln>
+                <a:noFill/>
+              </a:ln>
+              <a:solidFill>
+                <a:schemeClr val="tx1"/>
+              </a:solidFill>
+              <a:effectLst/>
+              <a:latin typeface="Arial" panose="020B0604020202020204" pitchFamily="34" charset="0"/>
+            </a:endParaRPr>
+          </a:p>
+          <a:p>
+            <a:pPr marL="0" marR="0" lvl="0" indent="0" algn="l" defTabSz="914400" rtl="0" eaLnBrk="0" fontAlgn="base" latinLnBrk="0" hangingPunct="0">
+              <a:lnSpc>
+                <a:spcPct val="100000"/>
+              </a:lnSpc>
+              <a:spcBef>
+                <a:spcPct val="0"/>
+              </a:spcBef>
+              <a:spcAft>
+                <a:spcPct val="0"/>
+              </a:spcAft>
+              <a:buClrTx/>
+              <a:buSzTx/>
+              <a:buFontTx/>
+              <a:buNone/>
+              <a:tabLst/>
+            </a:pPr>
+            <a:endParaRPr kumimoji="0" lang="es-ES" altLang="es-ES" sz="1800" b="0" i="0" u="none" strike="noStrike" cap="none" normalizeH="0" baseline="0" dirty="0">
+              <a:ln>
+                <a:noFill/>
+              </a:ln>
+              <a:solidFill>
+                <a:schemeClr val="tx1"/>
+              </a:solidFill>
+              <a:effectLst/>
+              <a:latin typeface="Arial" panose="020B0604020202020204" pitchFamily="34" charset="0"/>
+            </a:endParaRPr>
+          </a:p>
+        </p:txBody>
+      </p:sp>
+      <p:sp>
+        <p:nvSpPr>
+          <p:cNvPr id="3" name="Rectangle 2">
+            <a:extLst>
+              <a:ext uri="{FF2B5EF4-FFF2-40B4-BE49-F238E27FC236}">
+                <a16:creationId xmlns:a16="http://schemas.microsoft.com/office/drawing/2014/main" id="{03DB051A-6727-E538-AD8B-AA8968A11363}"/>
+              </a:ext>
+            </a:extLst>
+          </p:cNvPr>
+          <p:cNvSpPr>
+            <a:spLocks noChangeArrowheads="1"/>
+          </p:cNvSpPr>
+          <p:nvPr/>
+        </p:nvSpPr>
+        <p:spPr bwMode="auto">
+          <a:xfrm>
+            <a:off x="152400" y="-106287"/>
+            <a:ext cx="65" cy="517374"/>
+          </a:xfrm>
+          <a:prstGeom prst="rect">
+            <a:avLst/>
+          </a:prstGeom>
+          <a:solidFill>
+            <a:srgbClr val="212121"/>
+          </a:solidFill>
+          <a:ln>
+            <a:noFill/>
+          </a:ln>
+          <a:effectLst/>
+          <a:extLst>
+            <a:ext uri="{91240B29-F687-4F45-9708-019B960494DF}">
+              <a14:hiddenLine xmlns:a14="http://schemas.microsoft.com/office/drawing/2010/main" w="9525">
+                <a:solidFill>
+                  <a:schemeClr val="tx1"/>
+                </a:solidFill>
+                <a:miter lim="800000"/>
+                <a:headEnd/>
+                <a:tailEnd/>
+              </a14:hiddenLine>
+            </a:ext>
+            <a:ext uri="{AF507438-7753-43E0-B8FC-AC1667EBCBE1}">
+              <a14:hiddenEffects xmlns:a14="http://schemas.microsoft.com/office/drawing/2010/main">
+                <a:effectLst>
+                  <a:outerShdw dist="35921" dir="2700000" algn="ctr" rotWithShape="0">
+                    <a:schemeClr val="bg2"/>
+                  </a:outerShdw>
+                </a:effectLst>
+              </a14:hiddenEffects>
+            </a:ext>
+          </a:extLst>
+        </p:spPr>
+        <p:txBody>
+          <a:bodyPr vert="horz" wrap="none" lIns="0" tIns="119025" rIns="0" bIns="119025" numCol="1" anchor="ctr" anchorCtr="0" compatLnSpc="1">
+            <a:prstTxWarp prst="textNoShape">
+              <a:avLst/>
+            </a:prstTxWarp>
+            <a:spAutoFit/>
+          </a:bodyPr>
+          <a:lstStyle/>
+          <a:p>
+            <a:pPr marL="0" marR="0" lvl="0" indent="0" algn="l" defTabSz="914400" rtl="0" eaLnBrk="0" fontAlgn="base" latinLnBrk="0" hangingPunct="0">
+              <a:lnSpc>
+                <a:spcPct val="100000"/>
+              </a:lnSpc>
+              <a:spcBef>
+                <a:spcPct val="0"/>
+              </a:spcBef>
+              <a:spcAft>
+                <a:spcPct val="0"/>
+              </a:spcAft>
+              <a:buClrTx/>
+              <a:buSzTx/>
+              <a:buFontTx/>
+              <a:buNone/>
+              <a:tabLst/>
+            </a:pPr>
+            <a:endParaRPr kumimoji="0" lang="es-ES" altLang="es-ES" sz="1800" b="0" i="0" u="none" strike="noStrike" cap="none" normalizeH="0" baseline="0" dirty="0">
+              <a:ln>
+                <a:noFill/>
+              </a:ln>
+              <a:solidFill>
+                <a:schemeClr val="tx1"/>
+              </a:solidFill>
+              <a:effectLst/>
+              <a:latin typeface="Arial" panose="020B0604020202020204" pitchFamily="34" charset="0"/>
+            </a:endParaRPr>
+          </a:p>
+        </p:txBody>
+      </p:sp>
+      <p:pic>
+        <p:nvPicPr>
+          <p:cNvPr id="8" name="Imagen 7">
+            <a:extLst>
+              <a:ext uri="{FF2B5EF4-FFF2-40B4-BE49-F238E27FC236}">
+                <a16:creationId xmlns:a16="http://schemas.microsoft.com/office/drawing/2014/main" id="{1B648153-7FAA-A443-FF75-2D063A345DF2}"/>
+              </a:ext>
+            </a:extLst>
+          </p:cNvPr>
+          <p:cNvPicPr>
+            <a:picLocks noChangeAspect="1"/>
+          </p:cNvPicPr>
+          <p:nvPr/>
+        </p:nvPicPr>
+        <p:blipFill>
+          <a:blip r:embed="rId2"/>
+          <a:stretch>
+            <a:fillRect/>
+          </a:stretch>
+        </p:blipFill>
+        <p:spPr>
+          <a:xfrm>
+            <a:off x="1725943" y="3429000"/>
+            <a:ext cx="8740113" cy="1051099"/>
+          </a:xfrm>
+          <a:prstGeom prst="rect">
+            <a:avLst/>
+          </a:prstGeom>
+        </p:spPr>
+      </p:pic>
+      <p:pic>
+        <p:nvPicPr>
+          <p:cNvPr id="10" name="Imagen 9">
+            <a:extLst>
+              <a:ext uri="{FF2B5EF4-FFF2-40B4-BE49-F238E27FC236}">
+                <a16:creationId xmlns:a16="http://schemas.microsoft.com/office/drawing/2014/main" id="{FC334FFE-0C4A-0523-7A23-5D1AC4978A4A}"/>
+              </a:ext>
+            </a:extLst>
+          </p:cNvPr>
+          <p:cNvPicPr>
+            <a:picLocks noChangeAspect="1"/>
+          </p:cNvPicPr>
+          <p:nvPr/>
+        </p:nvPicPr>
+        <p:blipFill>
+          <a:blip r:embed="rId3"/>
+          <a:stretch>
+            <a:fillRect/>
+          </a:stretch>
+        </p:blipFill>
+        <p:spPr>
+          <a:xfrm>
+            <a:off x="3246116" y="4809877"/>
+            <a:ext cx="5699768" cy="1051098"/>
+          </a:xfrm>
+          <a:prstGeom prst="rect">
+            <a:avLst/>
+          </a:prstGeom>
+        </p:spPr>
+      </p:pic>
+      <p:sp>
+        <p:nvSpPr>
+          <p:cNvPr id="11" name="Rectángulo 10">
+            <a:extLst>
+              <a:ext uri="{FF2B5EF4-FFF2-40B4-BE49-F238E27FC236}">
+                <a16:creationId xmlns:a16="http://schemas.microsoft.com/office/drawing/2014/main" id="{888C7F60-95C8-BA0A-8065-C351A54C35AC}"/>
+              </a:ext>
+            </a:extLst>
+          </p:cNvPr>
+          <p:cNvSpPr/>
+          <p:nvPr/>
+        </p:nvSpPr>
+        <p:spPr>
+          <a:xfrm>
+            <a:off x="1588292" y="3326657"/>
+            <a:ext cx="9069876" cy="2641524"/>
+          </a:xfrm>
+          <a:prstGeom prst="rect">
+            <a:avLst/>
+          </a:prstGeom>
+          <a:noFill/>
+          <a:ln w="28575">
+            <a:solidFill>
+              <a:srgbClr val="FFC000"/>
+            </a:solidFill>
+          </a:ln>
+        </p:spPr>
+        <p:style>
+          <a:lnRef idx="2">
+            <a:schemeClr val="accent1">
+              <a:shade val="15000"/>
+            </a:schemeClr>
+          </a:lnRef>
+          <a:fillRef idx="1">
+            <a:schemeClr val="accent1"/>
+          </a:fillRef>
+          <a:effectRef idx="0">
+            <a:schemeClr val="accent1"/>
+          </a:effectRef>
+          <a:fontRef idx="minor">
+            <a:schemeClr val="lt1"/>
+          </a:fontRef>
+        </p:style>
+        <p:txBody>
+          <a:bodyPr rtlCol="0" anchor="ctr"/>
+          <a:lstStyle/>
+          <a:p>
+            <a:pPr algn="ctr"/>
+            <a:endParaRPr lang="es-ES"/>
+          </a:p>
+        </p:txBody>
+      </p:sp>
+      <p:sp>
+        <p:nvSpPr>
+          <p:cNvPr id="12" name="Rectángulo 11">
+            <a:extLst>
+              <a:ext uri="{FF2B5EF4-FFF2-40B4-BE49-F238E27FC236}">
+                <a16:creationId xmlns:a16="http://schemas.microsoft.com/office/drawing/2014/main" id="{70D1435A-96D5-E655-1B47-32E8004C3012}"/>
+              </a:ext>
+            </a:extLst>
+          </p:cNvPr>
+          <p:cNvSpPr/>
+          <p:nvPr/>
+        </p:nvSpPr>
+        <p:spPr>
+          <a:xfrm>
+            <a:off x="4857135" y="2531123"/>
+            <a:ext cx="2536723" cy="241574"/>
+          </a:xfrm>
+          <a:prstGeom prst="rect">
+            <a:avLst/>
+          </a:prstGeom>
+          <a:noFill/>
+          <a:ln w="28575">
+            <a:solidFill>
+              <a:srgbClr val="FFC000"/>
+            </a:solidFill>
+          </a:ln>
+        </p:spPr>
+        <p:style>
+          <a:lnRef idx="2">
+            <a:schemeClr val="accent1">
+              <a:shade val="15000"/>
+            </a:schemeClr>
+          </a:lnRef>
+          <a:fillRef idx="1">
+            <a:schemeClr val="accent1"/>
+          </a:fillRef>
+          <a:effectRef idx="0">
+            <a:schemeClr val="accent1"/>
+          </a:effectRef>
+          <a:fontRef idx="minor">
+            <a:schemeClr val="lt1"/>
+          </a:fontRef>
+        </p:style>
+        <p:txBody>
+          <a:bodyPr rtlCol="0" anchor="ctr"/>
+          <a:lstStyle/>
+          <a:p>
+            <a:pPr algn="ctr"/>
+            <a:endParaRPr lang="es-ES"/>
+          </a:p>
+        </p:txBody>
+      </p:sp>
+      <p:cxnSp>
+        <p:nvCxnSpPr>
+          <p:cNvPr id="14" name="Conector: angular 13">
+            <a:extLst>
+              <a:ext uri="{FF2B5EF4-FFF2-40B4-BE49-F238E27FC236}">
+                <a16:creationId xmlns:a16="http://schemas.microsoft.com/office/drawing/2014/main" id="{B537DDA9-202B-CC04-01A0-9BD627E2F405}"/>
+              </a:ext>
+            </a:extLst>
+          </p:cNvPr>
+          <p:cNvCxnSpPr>
+            <a:stCxn id="12" idx="2"/>
+            <a:endCxn id="11" idx="3"/>
+          </p:cNvCxnSpPr>
+          <p:nvPr/>
+        </p:nvCxnSpPr>
+        <p:spPr>
+          <a:xfrm rot="16200000" flipH="1">
+            <a:off x="7454471" y="1443722"/>
+            <a:ext cx="1874722" cy="4532671"/>
+          </a:xfrm>
+          <a:prstGeom prst="bentConnector4">
+            <a:avLst>
+              <a:gd name="adj1" fmla="val 14774"/>
+              <a:gd name="adj2" fmla="val 117841"/>
+            </a:avLst>
+          </a:prstGeom>
+          <a:ln w="28575">
+            <a:solidFill>
+              <a:srgbClr val="FFC000"/>
+            </a:solidFill>
+            <a:tailEnd type="triangle"/>
+          </a:ln>
+        </p:spPr>
+        <p:style>
+          <a:lnRef idx="2">
+            <a:schemeClr val="accent1"/>
+          </a:lnRef>
+          <a:fillRef idx="0">
+            <a:schemeClr val="accent1"/>
+          </a:fillRef>
+          <a:effectRef idx="1">
+            <a:schemeClr val="accent1"/>
+          </a:effectRef>
+          <a:fontRef idx="minor">
+            <a:schemeClr val="tx1"/>
+          </a:fontRef>
+        </p:style>
+      </p:cxnSp>
+    </p:spTree>
+    <p:extLst>
+      <p:ext uri="{BB962C8B-B14F-4D97-AF65-F5344CB8AC3E}">
+        <p14:creationId xmlns:p14="http://schemas.microsoft.com/office/powerpoint/2010/main" val="3229641264"/>
+      </p:ext>
+    </p:extLst>
+  </p:cSld>
+  <p:clrMapOvr>
+    <a:masterClrMapping/>
+  </p:clrMapOvr>
+</p:sld>
+</file>
+
 <file path=ppt/slides/slide2.xml><?xml version="1.0" encoding="utf-8"?>
 <p:sld xmlns:a="http://schemas.openxmlformats.org/drawingml/2006/main" xmlns:r="http://schemas.openxmlformats.org/officeDocument/2006/relationships" xmlns:p="http://schemas.openxmlformats.org/presentationml/2006/main">
   <p:cSld>
@@ -4747,10 +6001,1188 @@
           <a:chExt cx="0" cy="0"/>
         </a:xfrm>
       </p:grpSpPr>
+      <p:pic>
+        <p:nvPicPr>
+          <p:cNvPr id="3" name="Imagen 2">
+            <a:extLst>
+              <a:ext uri="{FF2B5EF4-FFF2-40B4-BE49-F238E27FC236}">
+                <a16:creationId xmlns:a16="http://schemas.microsoft.com/office/drawing/2014/main" id="{263B6582-D232-F8D8-B4F4-18D54D39F965}"/>
+              </a:ext>
+            </a:extLst>
+          </p:cNvPr>
+          <p:cNvPicPr>
+            <a:picLocks noChangeAspect="1"/>
+          </p:cNvPicPr>
+          <p:nvPr/>
+        </p:nvPicPr>
+        <p:blipFill>
+          <a:blip r:embed="rId2"/>
+          <a:stretch>
+            <a:fillRect/>
+          </a:stretch>
+        </p:blipFill>
+        <p:spPr>
+          <a:xfrm>
+            <a:off x="156306" y="103674"/>
+            <a:ext cx="6294665" cy="4075036"/>
+          </a:xfrm>
+          <a:prstGeom prst="rect">
+            <a:avLst/>
+          </a:prstGeom>
+          <a:ln>
+            <a:solidFill>
+              <a:schemeClr val="tx1"/>
+            </a:solidFill>
+          </a:ln>
+        </p:spPr>
+      </p:pic>
+      <p:pic>
+        <p:nvPicPr>
+          <p:cNvPr id="5" name="Imagen 4">
+            <a:extLst>
+              <a:ext uri="{FF2B5EF4-FFF2-40B4-BE49-F238E27FC236}">
+                <a16:creationId xmlns:a16="http://schemas.microsoft.com/office/drawing/2014/main" id="{F86FC6D2-001D-A382-66B5-19EFE67D10FB}"/>
+              </a:ext>
+            </a:extLst>
+          </p:cNvPr>
+          <p:cNvPicPr>
+            <a:picLocks noChangeAspect="1"/>
+          </p:cNvPicPr>
+          <p:nvPr/>
+        </p:nvPicPr>
+        <p:blipFill>
+          <a:blip r:embed="rId3"/>
+          <a:stretch>
+            <a:fillRect/>
+          </a:stretch>
+        </p:blipFill>
+        <p:spPr>
+          <a:xfrm>
+            <a:off x="1067585" y="4298568"/>
+            <a:ext cx="5383386" cy="2559432"/>
+          </a:xfrm>
+          <a:prstGeom prst="rect">
+            <a:avLst/>
+          </a:prstGeom>
+        </p:spPr>
+      </p:pic>
+      <p:sp>
+        <p:nvSpPr>
+          <p:cNvPr id="6" name="CuadroTexto 5">
+            <a:extLst>
+              <a:ext uri="{FF2B5EF4-FFF2-40B4-BE49-F238E27FC236}">
+                <a16:creationId xmlns:a16="http://schemas.microsoft.com/office/drawing/2014/main" id="{59894D6D-46D5-DD81-8E1A-B37F7530357A}"/>
+              </a:ext>
+            </a:extLst>
+          </p:cNvPr>
+          <p:cNvSpPr txBox="1"/>
+          <p:nvPr/>
+        </p:nvSpPr>
+        <p:spPr>
+          <a:xfrm>
+            <a:off x="6858228" y="4300439"/>
+            <a:ext cx="5053779" cy="1754326"/>
+          </a:xfrm>
+          <a:prstGeom prst="rect">
+            <a:avLst/>
+          </a:prstGeom>
+          <a:noFill/>
+        </p:spPr>
+        <p:txBody>
+          <a:bodyPr wrap="square" rtlCol="0">
+            <a:spAutoFit/>
+          </a:bodyPr>
+          <a:lstStyle/>
+          <a:p>
+            <a:r>
+              <a:rPr lang="es-ES" dirty="0"/>
+              <a:t>Como hay dos escenarios posibles generamos una </a:t>
+            </a:r>
+            <a:r>
+              <a:rPr lang="es-ES" dirty="0" err="1"/>
+              <a:t>Exception</a:t>
+            </a:r>
+            <a:r>
+              <a:rPr lang="es-ES" dirty="0"/>
+              <a:t> para cada uno: </a:t>
+            </a:r>
+            <a:r>
+              <a:rPr lang="es-ES" dirty="0" err="1"/>
+              <a:t>ParException</a:t>
+            </a:r>
+            <a:r>
+              <a:rPr lang="es-ES" dirty="0"/>
+              <a:t> e </a:t>
+            </a:r>
+            <a:r>
+              <a:rPr lang="es-ES" dirty="0" err="1"/>
+              <a:t>ImparException</a:t>
+            </a:r>
+            <a:r>
+              <a:rPr lang="es-ES" dirty="0"/>
+              <a:t>.</a:t>
+            </a:r>
+          </a:p>
+          <a:p>
+            <a:endParaRPr lang="es-ES" dirty="0"/>
+          </a:p>
+          <a:p>
+            <a:r>
+              <a:rPr lang="es-ES" dirty="0"/>
+              <a:t>Cada uno dirá si el número es PAR o IMPAR, respectivamente.</a:t>
+            </a:r>
+          </a:p>
+        </p:txBody>
+      </p:sp>
     </p:spTree>
     <p:extLst>
       <p:ext uri="{BB962C8B-B14F-4D97-AF65-F5344CB8AC3E}">
         <p14:creationId xmlns:p14="http://schemas.microsoft.com/office/powerpoint/2010/main" val="2383568372"/>
+      </p:ext>
+    </p:extLst>
+  </p:cSld>
+  <p:clrMapOvr>
+    <a:masterClrMapping/>
+  </p:clrMapOvr>
+</p:sld>
+</file>
+
+<file path=ppt/slides/slide6.xml><?xml version="1.0" encoding="utf-8"?>
+<p:sld xmlns:a="http://schemas.openxmlformats.org/drawingml/2006/main" xmlns:r="http://schemas.openxmlformats.org/officeDocument/2006/relationships" xmlns:p="http://schemas.openxmlformats.org/presentationml/2006/main">
+  <p:cSld>
+    <p:spTree>
+      <p:nvGrpSpPr>
+        <p:cNvPr id="1" name=""/>
+        <p:cNvGrpSpPr/>
+        <p:nvPr/>
+      </p:nvGrpSpPr>
+      <p:grpSpPr>
+        <a:xfrm>
+          <a:off x="0" y="0"/>
+          <a:ext cx="0" cy="0"/>
+          <a:chOff x="0" y="0"/>
+          <a:chExt cx="0" cy="0"/>
+        </a:xfrm>
+      </p:grpSpPr>
+      <p:sp>
+        <p:nvSpPr>
+          <p:cNvPr id="6" name="CuadroTexto 5">
+            <a:extLst>
+              <a:ext uri="{FF2B5EF4-FFF2-40B4-BE49-F238E27FC236}">
+                <a16:creationId xmlns:a16="http://schemas.microsoft.com/office/drawing/2014/main" id="{59894D6D-46D5-DD81-8E1A-B37F7530357A}"/>
+              </a:ext>
+            </a:extLst>
+          </p:cNvPr>
+          <p:cNvSpPr txBox="1"/>
+          <p:nvPr/>
+        </p:nvSpPr>
+        <p:spPr>
+          <a:xfrm>
+            <a:off x="6695768" y="735938"/>
+            <a:ext cx="5496232" cy="2031325"/>
+          </a:xfrm>
+          <a:prstGeom prst="rect">
+            <a:avLst/>
+          </a:prstGeom>
+          <a:noFill/>
+        </p:spPr>
+        <p:txBody>
+          <a:bodyPr wrap="square" rtlCol="0">
+            <a:spAutoFit/>
+          </a:bodyPr>
+          <a:lstStyle/>
+          <a:p>
+            <a:r>
+              <a:rPr lang="es-ES" dirty="0"/>
+              <a:t>He definido dos </a:t>
+            </a:r>
+            <a:r>
+              <a:rPr lang="es-ES" dirty="0" err="1"/>
+              <a:t>Exception</a:t>
+            </a:r>
+            <a:r>
+              <a:rPr lang="es-ES" dirty="0"/>
+              <a:t>:</a:t>
+            </a:r>
+          </a:p>
+          <a:p>
+            <a:pPr marL="285750" indent="-285750">
+              <a:buFont typeface="Arial" panose="020B0604020202020204" pitchFamily="34" charset="0"/>
+              <a:buChar char="•"/>
+            </a:pPr>
+            <a:r>
+              <a:rPr lang="es-ES" dirty="0" err="1"/>
+              <a:t>ArithmeticException</a:t>
+            </a:r>
+            <a:r>
+              <a:rPr lang="es-ES" dirty="0"/>
+              <a:t> (en División y Raíz Cuadrada): Captura errores de cálculo, como la división por cero y la raíz cuadrada de un número negativo.</a:t>
+            </a:r>
+          </a:p>
+          <a:p>
+            <a:pPr marL="285750" indent="-285750">
+              <a:buFont typeface="Arial" panose="020B0604020202020204" pitchFamily="34" charset="0"/>
+              <a:buChar char="•"/>
+            </a:pPr>
+            <a:r>
+              <a:rPr lang="es-ES" dirty="0" err="1"/>
+              <a:t>NumberFormatException</a:t>
+            </a:r>
+            <a:r>
+              <a:rPr lang="es-ES" dirty="0"/>
+              <a:t> (en </a:t>
+            </a:r>
+            <a:r>
+              <a:rPr lang="es-ES" dirty="0" err="1"/>
+              <a:t>JOptionPane</a:t>
+            </a:r>
+            <a:r>
+              <a:rPr lang="es-ES" dirty="0"/>
+              <a:t>): Captura errores de entrada, como cuando el usuario ingresa un valor no numérico.</a:t>
+            </a:r>
+          </a:p>
+        </p:txBody>
+      </p:sp>
+      <p:pic>
+        <p:nvPicPr>
+          <p:cNvPr id="4" name="Imagen 3">
+            <a:extLst>
+              <a:ext uri="{FF2B5EF4-FFF2-40B4-BE49-F238E27FC236}">
+                <a16:creationId xmlns:a16="http://schemas.microsoft.com/office/drawing/2014/main" id="{93A6B892-A415-1646-7A61-7B8F39EA02AC}"/>
+              </a:ext>
+            </a:extLst>
+          </p:cNvPr>
+          <p:cNvPicPr>
+            <a:picLocks noChangeAspect="1"/>
+          </p:cNvPicPr>
+          <p:nvPr/>
+        </p:nvPicPr>
+        <p:blipFill>
+          <a:blip r:embed="rId2"/>
+          <a:stretch>
+            <a:fillRect/>
+          </a:stretch>
+        </p:blipFill>
+        <p:spPr>
+          <a:xfrm>
+            <a:off x="143887" y="162694"/>
+            <a:ext cx="6378493" cy="3177815"/>
+          </a:xfrm>
+          <a:prstGeom prst="rect">
+            <a:avLst/>
+          </a:prstGeom>
+          <a:ln>
+            <a:solidFill>
+              <a:schemeClr val="tx1"/>
+            </a:solidFill>
+          </a:ln>
+        </p:spPr>
+      </p:pic>
+      <p:pic>
+        <p:nvPicPr>
+          <p:cNvPr id="10" name="Imagen 9">
+            <a:extLst>
+              <a:ext uri="{FF2B5EF4-FFF2-40B4-BE49-F238E27FC236}">
+                <a16:creationId xmlns:a16="http://schemas.microsoft.com/office/drawing/2014/main" id="{060D64A6-5DFB-8903-B4A5-DC941A8C0CB1}"/>
+              </a:ext>
+            </a:extLst>
+          </p:cNvPr>
+          <p:cNvPicPr>
+            <a:picLocks noChangeAspect="1"/>
+          </p:cNvPicPr>
+          <p:nvPr/>
+        </p:nvPicPr>
+        <p:blipFill>
+          <a:blip r:embed="rId3"/>
+          <a:stretch>
+            <a:fillRect/>
+          </a:stretch>
+        </p:blipFill>
+        <p:spPr>
+          <a:xfrm>
+            <a:off x="143887" y="3600145"/>
+            <a:ext cx="9045724" cy="1348857"/>
+          </a:xfrm>
+          <a:prstGeom prst="rect">
+            <a:avLst/>
+          </a:prstGeom>
+        </p:spPr>
+      </p:pic>
+      <p:pic>
+        <p:nvPicPr>
+          <p:cNvPr id="12" name="Imagen 11">
+            <a:extLst>
+              <a:ext uri="{FF2B5EF4-FFF2-40B4-BE49-F238E27FC236}">
+                <a16:creationId xmlns:a16="http://schemas.microsoft.com/office/drawing/2014/main" id="{93F74786-52CB-42B4-EF30-62D822ECDC33}"/>
+              </a:ext>
+            </a:extLst>
+          </p:cNvPr>
+          <p:cNvPicPr>
+            <a:picLocks noChangeAspect="1"/>
+          </p:cNvPicPr>
+          <p:nvPr/>
+        </p:nvPicPr>
+        <p:blipFill>
+          <a:blip r:embed="rId4"/>
+          <a:stretch>
+            <a:fillRect/>
+          </a:stretch>
+        </p:blipFill>
+        <p:spPr>
+          <a:xfrm>
+            <a:off x="252041" y="5508720"/>
+            <a:ext cx="8550381" cy="891617"/>
+          </a:xfrm>
+          <a:prstGeom prst="rect">
+            <a:avLst/>
+          </a:prstGeom>
+        </p:spPr>
+      </p:pic>
+      <p:sp>
+        <p:nvSpPr>
+          <p:cNvPr id="13" name="CuadroTexto 12">
+            <a:extLst>
+              <a:ext uri="{FF2B5EF4-FFF2-40B4-BE49-F238E27FC236}">
+                <a16:creationId xmlns:a16="http://schemas.microsoft.com/office/drawing/2014/main" id="{8F5920C3-CD28-0ACF-7D8B-97BB25B8C180}"/>
+              </a:ext>
+            </a:extLst>
+          </p:cNvPr>
+          <p:cNvSpPr txBox="1"/>
+          <p:nvPr/>
+        </p:nvSpPr>
+        <p:spPr>
+          <a:xfrm>
+            <a:off x="143887" y="5139388"/>
+            <a:ext cx="5496232" cy="369332"/>
+          </a:xfrm>
+          <a:prstGeom prst="rect">
+            <a:avLst/>
+          </a:prstGeom>
+          <a:noFill/>
+        </p:spPr>
+        <p:txBody>
+          <a:bodyPr wrap="square" rtlCol="0">
+            <a:spAutoFit/>
+          </a:bodyPr>
+          <a:lstStyle/>
+          <a:p>
+            <a:r>
+              <a:rPr lang="es-ES" dirty="0"/>
+              <a:t>Ejemplo:</a:t>
+            </a:r>
+          </a:p>
+        </p:txBody>
+      </p:sp>
+    </p:spTree>
+    <p:extLst>
+      <p:ext uri="{BB962C8B-B14F-4D97-AF65-F5344CB8AC3E}">
+        <p14:creationId xmlns:p14="http://schemas.microsoft.com/office/powerpoint/2010/main" val="281717915"/>
+      </p:ext>
+    </p:extLst>
+  </p:cSld>
+  <p:clrMapOvr>
+    <a:masterClrMapping/>
+  </p:clrMapOvr>
+</p:sld>
+</file>
+
+<file path=ppt/slides/slide7.xml><?xml version="1.0" encoding="utf-8"?>
+<p:sld xmlns:a="http://schemas.openxmlformats.org/drawingml/2006/main" xmlns:r="http://schemas.openxmlformats.org/officeDocument/2006/relationships" xmlns:p="http://schemas.openxmlformats.org/presentationml/2006/main">
+  <p:cSld>
+    <p:spTree>
+      <p:nvGrpSpPr>
+        <p:cNvPr id="1" name=""/>
+        <p:cNvGrpSpPr/>
+        <p:nvPr/>
+      </p:nvGrpSpPr>
+      <p:grpSpPr>
+        <a:xfrm>
+          <a:off x="0" y="0"/>
+          <a:ext cx="0" cy="0"/>
+          <a:chOff x="0" y="0"/>
+          <a:chExt cx="0" cy="0"/>
+        </a:xfrm>
+      </p:grpSpPr>
+      <p:sp>
+        <p:nvSpPr>
+          <p:cNvPr id="6" name="CuadroTexto 5">
+            <a:extLst>
+              <a:ext uri="{FF2B5EF4-FFF2-40B4-BE49-F238E27FC236}">
+                <a16:creationId xmlns:a16="http://schemas.microsoft.com/office/drawing/2014/main" id="{59894D6D-46D5-DD81-8E1A-B37F7530357A}"/>
+              </a:ext>
+            </a:extLst>
+          </p:cNvPr>
+          <p:cNvSpPr txBox="1"/>
+          <p:nvPr/>
+        </p:nvSpPr>
+        <p:spPr>
+          <a:xfrm>
+            <a:off x="7118555" y="207402"/>
+            <a:ext cx="5073445" cy="5632311"/>
+          </a:xfrm>
+          <a:prstGeom prst="rect">
+            <a:avLst/>
+          </a:prstGeom>
+          <a:noFill/>
+        </p:spPr>
+        <p:txBody>
+          <a:bodyPr wrap="square" rtlCol="0">
+            <a:spAutoFit/>
+          </a:bodyPr>
+          <a:lstStyle/>
+          <a:p>
+            <a:r>
+              <a:rPr lang="es-ES" dirty="0"/>
+              <a:t>El ejercicio no especificaba que try-catch utilizar por lo que me tomé la libertad de realizar los que consideraba oportunos.</a:t>
+            </a:r>
+          </a:p>
+          <a:p>
+            <a:endParaRPr lang="es-ES" dirty="0"/>
+          </a:p>
+          <a:p>
+            <a:r>
+              <a:rPr lang="es-ES" dirty="0"/>
+              <a:t>Seguí implementando el proceso de </a:t>
+            </a:r>
+            <a:r>
+              <a:rPr lang="es-ES" dirty="0" err="1"/>
+              <a:t>arrays</a:t>
+            </a:r>
+            <a:r>
+              <a:rPr lang="es-ES" dirty="0"/>
+              <a:t> de contraseña-</a:t>
+            </a:r>
+            <a:r>
+              <a:rPr lang="es-ES" dirty="0" err="1"/>
+              <a:t>boolean</a:t>
+            </a:r>
+            <a:r>
+              <a:rPr lang="es-ES" dirty="0"/>
+              <a:t>, pero añadí ciertos puntos extra al código, como son:</a:t>
+            </a:r>
+          </a:p>
+          <a:p>
+            <a:pPr marL="285750" indent="-285750">
+              <a:buFont typeface="Arial" panose="020B0604020202020204" pitchFamily="34" charset="0"/>
+              <a:buChar char="•"/>
+            </a:pPr>
+            <a:r>
+              <a:rPr lang="es-ES" dirty="0"/>
+              <a:t>Longitud mínima para crear la contraseña</a:t>
+            </a:r>
+          </a:p>
+          <a:p>
+            <a:pPr marL="285750" indent="-285750">
+              <a:buFont typeface="Arial" panose="020B0604020202020204" pitchFamily="34" charset="0"/>
+              <a:buChar char="•"/>
+            </a:pPr>
+            <a:r>
+              <a:rPr lang="es-ES" dirty="0"/>
+              <a:t>Opción de transformación de contraseñas generadas, de débil a fuerte (se mantienen las fuertes creadas anteriormente)</a:t>
+            </a:r>
+          </a:p>
+          <a:p>
+            <a:pPr marL="285750" indent="-285750">
+              <a:buFont typeface="Arial" panose="020B0604020202020204" pitchFamily="34" charset="0"/>
+              <a:buChar char="•"/>
+            </a:pPr>
+            <a:r>
+              <a:rPr lang="es-ES" dirty="0"/>
+              <a:t>Bucle para repetir la generación de otras contraseñas (reinicio del programa).</a:t>
+            </a:r>
+          </a:p>
+          <a:p>
+            <a:pPr marL="285750" indent="-285750">
+              <a:buFont typeface="Arial" panose="020B0604020202020204" pitchFamily="34" charset="0"/>
+              <a:buChar char="•"/>
+            </a:pPr>
+            <a:r>
+              <a:rPr lang="es-ES" dirty="0"/>
+              <a:t>Revisión de inputs del usuario</a:t>
+            </a:r>
+          </a:p>
+          <a:p>
+            <a:endParaRPr lang="es-ES" dirty="0"/>
+          </a:p>
+          <a:p>
+            <a:r>
+              <a:rPr lang="es-ES" dirty="0"/>
+              <a:t>Podemos diferenciar entre tres bloques try-catch diferentes:</a:t>
+            </a:r>
+          </a:p>
+          <a:p>
+            <a:pPr marL="342900" indent="-342900">
+              <a:buFont typeface="+mj-lt"/>
+              <a:buAutoNum type="alphaUcPeriod"/>
+            </a:pPr>
+            <a:r>
+              <a:rPr lang="es-ES" dirty="0"/>
+              <a:t>Leer longitud de la contraseña</a:t>
+            </a:r>
+          </a:p>
+          <a:p>
+            <a:pPr marL="342900" indent="-342900">
+              <a:buFont typeface="+mj-lt"/>
+              <a:buAutoNum type="alphaUcPeriod"/>
+            </a:pPr>
+            <a:r>
+              <a:rPr lang="es-ES" dirty="0"/>
+              <a:t>Leer número de contraseñas a generar</a:t>
+            </a:r>
+          </a:p>
+          <a:p>
+            <a:pPr marL="342900" indent="-342900">
+              <a:buFont typeface="+mj-lt"/>
+              <a:buAutoNum type="alphaUcPeriod"/>
+            </a:pPr>
+            <a:r>
+              <a:rPr lang="es-ES" dirty="0"/>
+              <a:t>Validar input del usuario</a:t>
+            </a:r>
+          </a:p>
+        </p:txBody>
+      </p:sp>
+      <p:pic>
+        <p:nvPicPr>
+          <p:cNvPr id="3" name="Imagen 2">
+            <a:extLst>
+              <a:ext uri="{FF2B5EF4-FFF2-40B4-BE49-F238E27FC236}">
+                <a16:creationId xmlns:a16="http://schemas.microsoft.com/office/drawing/2014/main" id="{29D3091F-DCEA-2890-B5B8-1A057E674EE9}"/>
+              </a:ext>
+            </a:extLst>
+          </p:cNvPr>
+          <p:cNvPicPr>
+            <a:picLocks noChangeAspect="1"/>
+          </p:cNvPicPr>
+          <p:nvPr/>
+        </p:nvPicPr>
+        <p:blipFill>
+          <a:blip r:embed="rId2"/>
+          <a:stretch>
+            <a:fillRect/>
+          </a:stretch>
+        </p:blipFill>
+        <p:spPr>
+          <a:xfrm>
+            <a:off x="137652" y="207402"/>
+            <a:ext cx="6866215" cy="4191363"/>
+          </a:xfrm>
+          <a:prstGeom prst="rect">
+            <a:avLst/>
+          </a:prstGeom>
+          <a:ln>
+            <a:solidFill>
+              <a:schemeClr val="tx1"/>
+            </a:solidFill>
+          </a:ln>
+        </p:spPr>
+      </p:pic>
+    </p:spTree>
+    <p:extLst>
+      <p:ext uri="{BB962C8B-B14F-4D97-AF65-F5344CB8AC3E}">
+        <p14:creationId xmlns:p14="http://schemas.microsoft.com/office/powerpoint/2010/main" val="2827517627"/>
+      </p:ext>
+    </p:extLst>
+  </p:cSld>
+  <p:clrMapOvr>
+    <a:masterClrMapping/>
+  </p:clrMapOvr>
+</p:sld>
+</file>
+
+<file path=ppt/slides/slide8.xml><?xml version="1.0" encoding="utf-8"?>
+<p:sld xmlns:a="http://schemas.openxmlformats.org/drawingml/2006/main" xmlns:r="http://schemas.openxmlformats.org/officeDocument/2006/relationships" xmlns:p="http://schemas.openxmlformats.org/presentationml/2006/main">
+  <p:cSld>
+    <p:spTree>
+      <p:nvGrpSpPr>
+        <p:cNvPr id="1" name=""/>
+        <p:cNvGrpSpPr/>
+        <p:nvPr/>
+      </p:nvGrpSpPr>
+      <p:grpSpPr>
+        <a:xfrm>
+          <a:off x="0" y="0"/>
+          <a:ext cx="0" cy="0"/>
+          <a:chOff x="0" y="0"/>
+          <a:chExt cx="0" cy="0"/>
+        </a:xfrm>
+      </p:grpSpPr>
+      <p:sp>
+        <p:nvSpPr>
+          <p:cNvPr id="6" name="CuadroTexto 5">
+            <a:extLst>
+              <a:ext uri="{FF2B5EF4-FFF2-40B4-BE49-F238E27FC236}">
+                <a16:creationId xmlns:a16="http://schemas.microsoft.com/office/drawing/2014/main" id="{59894D6D-46D5-DD81-8E1A-B37F7530357A}"/>
+              </a:ext>
+            </a:extLst>
+          </p:cNvPr>
+          <p:cNvSpPr txBox="1"/>
+          <p:nvPr/>
+        </p:nvSpPr>
+        <p:spPr>
+          <a:xfrm>
+            <a:off x="314633" y="236899"/>
+            <a:ext cx="5073445" cy="923330"/>
+          </a:xfrm>
+          <a:prstGeom prst="rect">
+            <a:avLst/>
+          </a:prstGeom>
+          <a:noFill/>
+        </p:spPr>
+        <p:txBody>
+          <a:bodyPr wrap="square" rtlCol="0">
+            <a:spAutoFit/>
+          </a:bodyPr>
+          <a:lstStyle/>
+          <a:p>
+            <a:r>
+              <a:rPr lang="es-ES" b="1" dirty="0"/>
+              <a:t>BLOQUES TRY-CATCH</a:t>
+            </a:r>
+          </a:p>
+          <a:p>
+            <a:pPr marL="342900" indent="-342900">
+              <a:buFont typeface="+mj-lt"/>
+              <a:buAutoNum type="alphaUcPeriod"/>
+            </a:pPr>
+            <a:r>
+              <a:rPr lang="es-ES" dirty="0"/>
+              <a:t>Leer longitud de la contraseña</a:t>
+            </a:r>
+          </a:p>
+          <a:p>
+            <a:endParaRPr lang="es-ES" dirty="0"/>
+          </a:p>
+        </p:txBody>
+      </p:sp>
+      <p:pic>
+        <p:nvPicPr>
+          <p:cNvPr id="7" name="Imagen 6">
+            <a:extLst>
+              <a:ext uri="{FF2B5EF4-FFF2-40B4-BE49-F238E27FC236}">
+                <a16:creationId xmlns:a16="http://schemas.microsoft.com/office/drawing/2014/main" id="{F561F860-CD38-4C81-ED5F-C1945F9E3D06}"/>
+              </a:ext>
+            </a:extLst>
+          </p:cNvPr>
+          <p:cNvPicPr>
+            <a:picLocks noChangeAspect="1"/>
+          </p:cNvPicPr>
+          <p:nvPr/>
+        </p:nvPicPr>
+        <p:blipFill>
+          <a:blip r:embed="rId2"/>
+          <a:stretch>
+            <a:fillRect/>
+          </a:stretch>
+        </p:blipFill>
+        <p:spPr>
+          <a:xfrm>
+            <a:off x="387910" y="1079304"/>
+            <a:ext cx="11357592" cy="5144515"/>
+          </a:xfrm>
+          <a:prstGeom prst="rect">
+            <a:avLst/>
+          </a:prstGeom>
+        </p:spPr>
+      </p:pic>
+    </p:spTree>
+    <p:extLst>
+      <p:ext uri="{BB962C8B-B14F-4D97-AF65-F5344CB8AC3E}">
+        <p14:creationId xmlns:p14="http://schemas.microsoft.com/office/powerpoint/2010/main" val="3978321441"/>
+      </p:ext>
+    </p:extLst>
+  </p:cSld>
+  <p:clrMapOvr>
+    <a:masterClrMapping/>
+  </p:clrMapOvr>
+</p:sld>
+</file>
+
+<file path=ppt/slides/slide9.xml><?xml version="1.0" encoding="utf-8"?>
+<p:sld xmlns:a="http://schemas.openxmlformats.org/drawingml/2006/main" xmlns:r="http://schemas.openxmlformats.org/officeDocument/2006/relationships" xmlns:p="http://schemas.openxmlformats.org/presentationml/2006/main">
+  <p:cSld>
+    <p:spTree>
+      <p:nvGrpSpPr>
+        <p:cNvPr id="1" name=""/>
+        <p:cNvGrpSpPr/>
+        <p:nvPr/>
+      </p:nvGrpSpPr>
+      <p:grpSpPr>
+        <a:xfrm>
+          <a:off x="0" y="0"/>
+          <a:ext cx="0" cy="0"/>
+          <a:chOff x="0" y="0"/>
+          <a:chExt cx="0" cy="0"/>
+        </a:xfrm>
+      </p:grpSpPr>
+      <p:pic>
+        <p:nvPicPr>
+          <p:cNvPr id="18" name="Imagen 17">
+            <a:extLst>
+              <a:ext uri="{FF2B5EF4-FFF2-40B4-BE49-F238E27FC236}">
+                <a16:creationId xmlns:a16="http://schemas.microsoft.com/office/drawing/2014/main" id="{0FB8F884-3391-33FB-6281-7BE9CEA70FD4}"/>
+              </a:ext>
+            </a:extLst>
+          </p:cNvPr>
+          <p:cNvPicPr>
+            <a:picLocks noChangeAspect="1"/>
+          </p:cNvPicPr>
+          <p:nvPr/>
+        </p:nvPicPr>
+        <p:blipFill>
+          <a:blip r:embed="rId2"/>
+          <a:stretch>
+            <a:fillRect/>
+          </a:stretch>
+        </p:blipFill>
+        <p:spPr>
+          <a:xfrm>
+            <a:off x="2181882" y="4340195"/>
+            <a:ext cx="8024002" cy="1585581"/>
+          </a:xfrm>
+          <a:prstGeom prst="rect">
+            <a:avLst/>
+          </a:prstGeom>
+        </p:spPr>
+      </p:pic>
+      <p:sp>
+        <p:nvSpPr>
+          <p:cNvPr id="6" name="CuadroTexto 5">
+            <a:extLst>
+              <a:ext uri="{FF2B5EF4-FFF2-40B4-BE49-F238E27FC236}">
+                <a16:creationId xmlns:a16="http://schemas.microsoft.com/office/drawing/2014/main" id="{59894D6D-46D5-DD81-8E1A-B37F7530357A}"/>
+              </a:ext>
+            </a:extLst>
+          </p:cNvPr>
+          <p:cNvSpPr txBox="1"/>
+          <p:nvPr/>
+        </p:nvSpPr>
+        <p:spPr>
+          <a:xfrm>
+            <a:off x="314633" y="236899"/>
+            <a:ext cx="11464412" cy="3693319"/>
+          </a:xfrm>
+          <a:prstGeom prst="rect">
+            <a:avLst/>
+          </a:prstGeom>
+          <a:noFill/>
+        </p:spPr>
+        <p:txBody>
+          <a:bodyPr wrap="square" rtlCol="0">
+            <a:spAutoFit/>
+          </a:bodyPr>
+          <a:lstStyle/>
+          <a:p>
+            <a:r>
+              <a:rPr lang="es-ES" b="1" dirty="0"/>
+              <a:t>BLOQUES TRY-CATCH</a:t>
+            </a:r>
+          </a:p>
+          <a:p>
+            <a:pPr marL="342900" indent="-342900">
+              <a:buFont typeface="+mj-lt"/>
+              <a:buAutoNum type="alphaUcPeriod"/>
+            </a:pPr>
+            <a:r>
+              <a:rPr lang="es-ES" dirty="0"/>
+              <a:t>Leer longitud de la contraseña.</a:t>
+            </a:r>
+          </a:p>
+          <a:p>
+            <a:endParaRPr lang="es-ES" dirty="0"/>
+          </a:p>
+          <a:p>
+            <a:r>
+              <a:rPr lang="es-ES" b="1" dirty="0"/>
+              <a:t>Propósito: </a:t>
+            </a:r>
+            <a:r>
+              <a:rPr lang="es-ES" dirty="0"/>
+              <a:t>Asegurarse de que el usuario introduce una </a:t>
+            </a:r>
+            <a:r>
+              <a:rPr lang="es-ES" u="sng" dirty="0"/>
+              <a:t>longitud válida</a:t>
+            </a:r>
+            <a:r>
+              <a:rPr lang="es-ES" dirty="0"/>
+              <a:t> (un número entero positivo e igual o superior a la longitud mínima).</a:t>
+            </a:r>
+          </a:p>
+          <a:p>
+            <a:endParaRPr lang="es-ES" dirty="0"/>
+          </a:p>
+          <a:p>
+            <a:r>
+              <a:rPr lang="es-ES" b="1" dirty="0"/>
+              <a:t>Funcionamiento:</a:t>
+            </a:r>
+          </a:p>
+          <a:p>
+            <a:r>
+              <a:rPr lang="es-ES" i="1" dirty="0"/>
+              <a:t>try</a:t>
+            </a:r>
+            <a:r>
+              <a:rPr lang="es-ES" dirty="0"/>
+              <a:t> intenta leer y convertir la longitud introducida a un número entero.</a:t>
+            </a:r>
+          </a:p>
+          <a:p>
+            <a:pPr marL="342900" indent="-342900">
+              <a:buFont typeface="+mj-lt"/>
+              <a:buAutoNum type="alphaLcParenR"/>
+            </a:pPr>
+            <a:r>
+              <a:rPr lang="es-ES" dirty="0"/>
+              <a:t>Si el usuario introduce algo que no es un número, se lanza una </a:t>
+            </a:r>
+            <a:r>
+              <a:rPr lang="es-ES" i="1" dirty="0" err="1"/>
+              <a:t>EntradaNoNumericaException</a:t>
+            </a:r>
+            <a:r>
+              <a:rPr lang="es-ES" dirty="0"/>
+              <a:t> y se solicita que introduzca un número válido.</a:t>
+            </a:r>
+          </a:p>
+          <a:p>
+            <a:pPr marL="342900" indent="-342900">
+              <a:buFont typeface="+mj-lt"/>
+              <a:buAutoNum type="alphaLcParenR"/>
+            </a:pPr>
+            <a:r>
+              <a:rPr lang="es-ES" dirty="0"/>
+              <a:t>Si la longitud es menor que la longitud mínima permitida, se lanza una </a:t>
+            </a:r>
+            <a:r>
+              <a:rPr lang="es-ES" i="1" dirty="0" err="1"/>
+              <a:t>LongitudInvalidaException</a:t>
+            </a:r>
+            <a:r>
+              <a:rPr lang="es-ES" i="1" dirty="0"/>
+              <a:t> </a:t>
+            </a:r>
+            <a:r>
+              <a:rPr lang="es-ES" dirty="0"/>
+              <a:t>con un mensaje explicativo.</a:t>
+            </a:r>
+          </a:p>
+          <a:p>
+            <a:endParaRPr lang="es-ES" dirty="0"/>
+          </a:p>
+        </p:txBody>
+      </p:sp>
+      <p:sp>
+        <p:nvSpPr>
+          <p:cNvPr id="5" name="Rectángulo 4">
+            <a:extLst>
+              <a:ext uri="{FF2B5EF4-FFF2-40B4-BE49-F238E27FC236}">
+                <a16:creationId xmlns:a16="http://schemas.microsoft.com/office/drawing/2014/main" id="{26909840-B1A8-0023-125B-AC13813B733A}"/>
+              </a:ext>
+            </a:extLst>
+          </p:cNvPr>
+          <p:cNvSpPr/>
+          <p:nvPr/>
+        </p:nvSpPr>
+        <p:spPr>
+          <a:xfrm>
+            <a:off x="2123768" y="4274893"/>
+            <a:ext cx="8082116" cy="601385"/>
+          </a:xfrm>
+          <a:prstGeom prst="rect">
+            <a:avLst/>
+          </a:prstGeom>
+          <a:noFill/>
+          <a:ln w="28575">
+            <a:solidFill>
+              <a:srgbClr val="FFFF00"/>
+            </a:solidFill>
+          </a:ln>
+        </p:spPr>
+        <p:style>
+          <a:lnRef idx="2">
+            <a:schemeClr val="accent1">
+              <a:shade val="15000"/>
+            </a:schemeClr>
+          </a:lnRef>
+          <a:fillRef idx="1">
+            <a:schemeClr val="accent1"/>
+          </a:fillRef>
+          <a:effectRef idx="0">
+            <a:schemeClr val="accent1"/>
+          </a:effectRef>
+          <a:fontRef idx="minor">
+            <a:schemeClr val="lt1"/>
+          </a:fontRef>
+        </p:style>
+        <p:txBody>
+          <a:bodyPr rtlCol="0" anchor="ctr"/>
+          <a:lstStyle/>
+          <a:p>
+            <a:pPr algn="ctr"/>
+            <a:endParaRPr lang="es-ES"/>
+          </a:p>
+        </p:txBody>
+      </p:sp>
+      <p:sp>
+        <p:nvSpPr>
+          <p:cNvPr id="7" name="Rectángulo 6">
+            <a:extLst>
+              <a:ext uri="{FF2B5EF4-FFF2-40B4-BE49-F238E27FC236}">
+                <a16:creationId xmlns:a16="http://schemas.microsoft.com/office/drawing/2014/main" id="{E2D667CF-FB91-7135-CBDD-3D48A420797F}"/>
+              </a:ext>
+            </a:extLst>
+          </p:cNvPr>
+          <p:cNvSpPr/>
+          <p:nvPr/>
+        </p:nvSpPr>
+        <p:spPr>
+          <a:xfrm>
+            <a:off x="2109777" y="4920262"/>
+            <a:ext cx="8096107" cy="526809"/>
+          </a:xfrm>
+          <a:prstGeom prst="rect">
+            <a:avLst/>
+          </a:prstGeom>
+          <a:noFill/>
+          <a:ln w="28575">
+            <a:solidFill>
+              <a:srgbClr val="FFC000"/>
+            </a:solidFill>
+          </a:ln>
+        </p:spPr>
+        <p:style>
+          <a:lnRef idx="2">
+            <a:schemeClr val="accent1">
+              <a:shade val="15000"/>
+            </a:schemeClr>
+          </a:lnRef>
+          <a:fillRef idx="1">
+            <a:schemeClr val="accent1"/>
+          </a:fillRef>
+          <a:effectRef idx="0">
+            <a:schemeClr val="accent1"/>
+          </a:effectRef>
+          <a:fontRef idx="minor">
+            <a:schemeClr val="lt1"/>
+          </a:fontRef>
+        </p:style>
+        <p:txBody>
+          <a:bodyPr rtlCol="0" anchor="ctr"/>
+          <a:lstStyle/>
+          <a:p>
+            <a:pPr algn="ctr"/>
+            <a:endParaRPr lang="es-ES"/>
+          </a:p>
+        </p:txBody>
+      </p:sp>
+      <p:sp>
+        <p:nvSpPr>
+          <p:cNvPr id="8" name="Rectángulo 7">
+            <a:extLst>
+              <a:ext uri="{FF2B5EF4-FFF2-40B4-BE49-F238E27FC236}">
+                <a16:creationId xmlns:a16="http://schemas.microsoft.com/office/drawing/2014/main" id="{B99AB9C4-46DC-161C-8DC2-FA9A2ABDFF9D}"/>
+              </a:ext>
+            </a:extLst>
+          </p:cNvPr>
+          <p:cNvSpPr/>
+          <p:nvPr/>
+        </p:nvSpPr>
+        <p:spPr>
+          <a:xfrm>
+            <a:off x="6853083" y="2487560"/>
+            <a:ext cx="3048001" cy="268548"/>
+          </a:xfrm>
+          <a:prstGeom prst="rect">
+            <a:avLst/>
+          </a:prstGeom>
+          <a:noFill/>
+          <a:ln w="28575">
+            <a:solidFill>
+              <a:srgbClr val="FFFF00"/>
+            </a:solidFill>
+          </a:ln>
+        </p:spPr>
+        <p:style>
+          <a:lnRef idx="2">
+            <a:schemeClr val="accent1">
+              <a:shade val="15000"/>
+            </a:schemeClr>
+          </a:lnRef>
+          <a:fillRef idx="1">
+            <a:schemeClr val="accent1"/>
+          </a:fillRef>
+          <a:effectRef idx="0">
+            <a:schemeClr val="accent1"/>
+          </a:effectRef>
+          <a:fontRef idx="minor">
+            <a:schemeClr val="lt1"/>
+          </a:fontRef>
+        </p:style>
+        <p:txBody>
+          <a:bodyPr rtlCol="0" anchor="ctr"/>
+          <a:lstStyle/>
+          <a:p>
+            <a:pPr algn="ctr"/>
+            <a:endParaRPr lang="es-ES"/>
+          </a:p>
+        </p:txBody>
+      </p:sp>
+      <p:sp>
+        <p:nvSpPr>
+          <p:cNvPr id="9" name="Rectángulo 8">
+            <a:extLst>
+              <a:ext uri="{FF2B5EF4-FFF2-40B4-BE49-F238E27FC236}">
+                <a16:creationId xmlns:a16="http://schemas.microsoft.com/office/drawing/2014/main" id="{63E33268-A4D2-50C0-4F34-1203B5F8154F}"/>
+              </a:ext>
+            </a:extLst>
+          </p:cNvPr>
+          <p:cNvSpPr/>
+          <p:nvPr/>
+        </p:nvSpPr>
+        <p:spPr>
+          <a:xfrm>
+            <a:off x="7620000" y="3068210"/>
+            <a:ext cx="2654710" cy="166603"/>
+          </a:xfrm>
+          <a:prstGeom prst="rect">
+            <a:avLst/>
+          </a:prstGeom>
+          <a:noFill/>
+          <a:ln w="28575">
+            <a:solidFill>
+              <a:srgbClr val="FFC000"/>
+            </a:solidFill>
+          </a:ln>
+        </p:spPr>
+        <p:style>
+          <a:lnRef idx="2">
+            <a:schemeClr val="accent1">
+              <a:shade val="15000"/>
+            </a:schemeClr>
+          </a:lnRef>
+          <a:fillRef idx="1">
+            <a:schemeClr val="accent1"/>
+          </a:fillRef>
+          <a:effectRef idx="0">
+            <a:schemeClr val="accent1"/>
+          </a:effectRef>
+          <a:fontRef idx="minor">
+            <a:schemeClr val="lt1"/>
+          </a:fontRef>
+        </p:style>
+        <p:txBody>
+          <a:bodyPr rtlCol="0" anchor="ctr"/>
+          <a:lstStyle/>
+          <a:p>
+            <a:pPr algn="ctr"/>
+            <a:endParaRPr lang="es-ES"/>
+          </a:p>
+        </p:txBody>
+      </p:sp>
+      <p:cxnSp>
+        <p:nvCxnSpPr>
+          <p:cNvPr id="11" name="Conector: angular 10">
+            <a:extLst>
+              <a:ext uri="{FF2B5EF4-FFF2-40B4-BE49-F238E27FC236}">
+                <a16:creationId xmlns:a16="http://schemas.microsoft.com/office/drawing/2014/main" id="{5E26469B-8CD4-CDC4-CAD5-4DBFEA2E180F}"/>
+              </a:ext>
+            </a:extLst>
+          </p:cNvPr>
+          <p:cNvCxnSpPr>
+            <a:cxnSpLocks/>
+            <a:stCxn id="8" idx="0"/>
+            <a:endCxn id="5" idx="3"/>
+          </p:cNvCxnSpPr>
+          <p:nvPr/>
+        </p:nvCxnSpPr>
+        <p:spPr>
+          <a:xfrm rot="16200000" flipH="1">
+            <a:off x="8247471" y="2617173"/>
+            <a:ext cx="2088026" cy="1828800"/>
+          </a:xfrm>
+          <a:prstGeom prst="bentConnector4">
+            <a:avLst>
+              <a:gd name="adj1" fmla="val -10948"/>
+              <a:gd name="adj2" fmla="val 189382"/>
+            </a:avLst>
+          </a:prstGeom>
+          <a:ln w="28575">
+            <a:solidFill>
+              <a:srgbClr val="FFFF00"/>
+            </a:solidFill>
+            <a:tailEnd type="triangle"/>
+          </a:ln>
+        </p:spPr>
+        <p:style>
+          <a:lnRef idx="2">
+            <a:schemeClr val="accent1"/>
+          </a:lnRef>
+          <a:fillRef idx="0">
+            <a:schemeClr val="accent1"/>
+          </a:fillRef>
+          <a:effectRef idx="1">
+            <a:schemeClr val="accent1"/>
+          </a:effectRef>
+          <a:fontRef idx="minor">
+            <a:schemeClr val="tx1"/>
+          </a:fontRef>
+        </p:style>
+      </p:cxnSp>
+      <p:cxnSp>
+        <p:nvCxnSpPr>
+          <p:cNvPr id="16" name="Conector: angular 15">
+            <a:extLst>
+              <a:ext uri="{FF2B5EF4-FFF2-40B4-BE49-F238E27FC236}">
+                <a16:creationId xmlns:a16="http://schemas.microsoft.com/office/drawing/2014/main" id="{5CA99CBF-6F87-36AC-0662-00D37FA3D623}"/>
+              </a:ext>
+            </a:extLst>
+          </p:cNvPr>
+          <p:cNvCxnSpPr>
+            <a:cxnSpLocks/>
+            <a:stCxn id="9" idx="2"/>
+            <a:endCxn id="7" idx="1"/>
+          </p:cNvCxnSpPr>
+          <p:nvPr/>
+        </p:nvCxnSpPr>
+        <p:spPr>
+          <a:xfrm rot="5400000">
+            <a:off x="4554139" y="790451"/>
+            <a:ext cx="1948854" cy="6837578"/>
+          </a:xfrm>
+          <a:prstGeom prst="bentConnector4">
+            <a:avLst>
+              <a:gd name="adj1" fmla="val 43242"/>
+              <a:gd name="adj2" fmla="val 103343"/>
+            </a:avLst>
+          </a:prstGeom>
+          <a:ln w="28575">
+            <a:solidFill>
+              <a:srgbClr val="FFC000"/>
+            </a:solidFill>
+            <a:tailEnd type="triangle"/>
+          </a:ln>
+        </p:spPr>
+        <p:style>
+          <a:lnRef idx="2">
+            <a:schemeClr val="accent1"/>
+          </a:lnRef>
+          <a:fillRef idx="0">
+            <a:schemeClr val="accent1"/>
+          </a:fillRef>
+          <a:effectRef idx="1">
+            <a:schemeClr val="accent1"/>
+          </a:effectRef>
+          <a:fontRef idx="minor">
+            <a:schemeClr val="tx1"/>
+          </a:fontRef>
+        </p:style>
+      </p:cxnSp>
+    </p:spTree>
+    <p:extLst>
+      <p:ext uri="{BB962C8B-B14F-4D97-AF65-F5344CB8AC3E}">
+        <p14:creationId xmlns:p14="http://schemas.microsoft.com/office/powerpoint/2010/main" val="3984742341"/>
       </p:ext>
     </p:extLst>
   </p:cSld>
